--- a/aula04.pptx
+++ b/aula04.pptx
@@ -8014,19 +8014,7 @@
                 <a:latin typeface="Arial" panose="020B0604020202020204" pitchFamily="34" charset="0"/>
                 <a:cs typeface="Arial" panose="020B0604020202020204" pitchFamily="34" charset="0"/>
               </a:rPr>
-              <a:t> </a:t>
-            </a:r>
-            <a:r>
-              <a:rPr lang="pt-BR" sz="3200" b="1" spc="-1" dirty="0" smtClean="0">
-                <a:uFill>
-                  <a:solidFill>
-                    <a:srgbClr val="FFFFFF"/>
-                  </a:solidFill>
-                </a:uFill>
-                <a:latin typeface="Arial" panose="020B0604020202020204" pitchFamily="34" charset="0"/>
-                <a:cs typeface="Arial" panose="020B0604020202020204" pitchFamily="34" charset="0"/>
-              </a:rPr>
-              <a:t>cherry-</a:t>
+              <a:t> cherry-</a:t>
             </a:r>
             <a:r>
               <a:rPr lang="pt-BR" sz="3200" b="1" spc="-1" dirty="0" err="1" smtClean="0">
@@ -8121,7 +8109,21 @@
                 </a:uFill>
                 <a:latin typeface="Arial"/>
               </a:rPr>
-              <a:t> </a:t>
+              <a:t> cherry-</a:t>
+            </a:r>
+            <a:r>
+              <a:rPr lang="pt-BR" sz="2000" b="0" strike="noStrike" spc="-1" dirty="0" err="1" smtClean="0">
+                <a:solidFill>
+                  <a:srgbClr val="000000"/>
+                </a:solidFill>
+                <a:uFill>
+                  <a:solidFill>
+                    <a:srgbClr val="FFFFFF"/>
+                  </a:solidFill>
+                </a:uFill>
+                <a:latin typeface="Arial"/>
+              </a:rPr>
+              <a:t>pick</a:t>
             </a:r>
             <a:r>
               <a:rPr lang="pt-BR" sz="2000" b="0" strike="noStrike" spc="-1" dirty="0" smtClean="0">
@@ -8135,7 +8137,7 @@
                 </a:uFill>
                 <a:latin typeface="Arial"/>
               </a:rPr>
-              <a:t>cherry-</a:t>
+              <a:t> &lt;SHA-1 </a:t>
             </a:r>
             <a:r>
               <a:rPr lang="pt-BR" sz="2000" b="0" strike="noStrike" spc="-1" dirty="0" err="1" smtClean="0">
@@ -8149,7 +8151,7 @@
                 </a:uFill>
                 <a:latin typeface="Arial"/>
               </a:rPr>
-              <a:t>pick</a:t>
+              <a:t>commit</a:t>
             </a:r>
             <a:r>
               <a:rPr lang="pt-BR" sz="2000" b="0" strike="noStrike" spc="-1" dirty="0" smtClean="0">
@@ -8163,47 +8165,8 @@
                 </a:uFill>
                 <a:latin typeface="Arial"/>
               </a:rPr>
-              <a:t> &lt;SHA-1 </a:t>
-            </a:r>
-            <a:r>
-              <a:rPr lang="pt-BR" sz="2000" b="0" strike="noStrike" spc="-1" dirty="0" err="1" smtClean="0">
-                <a:solidFill>
-                  <a:srgbClr val="000000"/>
-                </a:solidFill>
-                <a:uFill>
-                  <a:solidFill>
-                    <a:srgbClr val="FFFFFF"/>
-                  </a:solidFill>
-                </a:uFill>
-                <a:latin typeface="Arial"/>
-              </a:rPr>
-              <a:t>commit</a:t>
-            </a:r>
-            <a:r>
-              <a:rPr lang="pt-BR" sz="2000" b="0" strike="noStrike" spc="-1" dirty="0" smtClean="0">
-                <a:solidFill>
-                  <a:srgbClr val="000000"/>
-                </a:solidFill>
-                <a:uFill>
-                  <a:solidFill>
-                    <a:srgbClr val="FFFFFF"/>
-                  </a:solidFill>
-                </a:uFill>
-                <a:latin typeface="Arial"/>
-              </a:rPr>
               <a:t>&gt;</a:t>
             </a:r>
-            <a:endParaRPr lang="pt-BR" sz="2000" b="0" strike="noStrike" spc="-1" dirty="0" smtClean="0">
-              <a:solidFill>
-                <a:srgbClr val="000000"/>
-              </a:solidFill>
-              <a:uFill>
-                <a:solidFill>
-                  <a:srgbClr val="FFFFFF"/>
-                </a:solidFill>
-              </a:uFill>
-              <a:latin typeface="Arial"/>
-            </a:endParaRPr>
           </a:p>
         </p:txBody>
       </p:sp>
@@ -8705,17 +8668,6 @@
               </a:rPr>
               <a:t> </a:t>
             </a:r>
-            <a:endParaRPr lang="pt-BR" sz="2000" b="0" strike="noStrike" spc="-1" dirty="0" smtClean="0">
-              <a:solidFill>
-                <a:srgbClr val="000000"/>
-              </a:solidFill>
-              <a:uFill>
-                <a:solidFill>
-                  <a:srgbClr val="FFFFFF"/>
-                </a:solidFill>
-              </a:uFill>
-              <a:latin typeface="Arial"/>
-            </a:endParaRPr>
           </a:p>
         </p:txBody>
       </p:sp>
@@ -10120,19 +10072,7 @@
                 <a:latin typeface="Arial" panose="020B0604020202020204" pitchFamily="34" charset="0"/>
                 <a:cs typeface="Arial" panose="020B0604020202020204" pitchFamily="34" charset="0"/>
               </a:rPr>
-              <a:t> </a:t>
-            </a:r>
-            <a:r>
-              <a:rPr lang="pt-BR" sz="3200" b="1" spc="-1" dirty="0" smtClean="0">
-                <a:uFill>
-                  <a:solidFill>
-                    <a:srgbClr val="FFFFFF"/>
-                  </a:solidFill>
-                </a:uFill>
-                <a:latin typeface="Arial" panose="020B0604020202020204" pitchFamily="34" charset="0"/>
-                <a:cs typeface="Arial" panose="020B0604020202020204" pitchFamily="34" charset="0"/>
-              </a:rPr>
-              <a:t>merge</a:t>
+              <a:t> merge</a:t>
             </a:r>
             <a:endParaRPr lang="pt-BR" sz="1800" b="1" strike="noStrike" spc="-1" dirty="0">
               <a:uFill>
@@ -10215,36 +10155,809 @@
                 </a:uFill>
                 <a:latin typeface="Arial"/>
               </a:rPr>
+              <a:t> merge </a:t>
+            </a:r>
+            <a:r>
+              <a:rPr lang="pt-BR" sz="2000" spc="-1" dirty="0" smtClean="0">
+                <a:solidFill>
+                  <a:srgbClr val="000000"/>
+                </a:solidFill>
+                <a:uFill>
+                  <a:solidFill>
+                    <a:srgbClr val="FFFFFF"/>
+                  </a:solidFill>
+                </a:uFill>
+                <a:latin typeface="Arial"/>
+              </a:rPr>
+              <a:t>&lt;</a:t>
+            </a:r>
+            <a:r>
+              <a:rPr lang="pt-BR" sz="2000" spc="-1" dirty="0" err="1" smtClean="0">
+                <a:solidFill>
+                  <a:srgbClr val="000000"/>
+                </a:solidFill>
+                <a:uFill>
+                  <a:solidFill>
+                    <a:srgbClr val="FFFFFF"/>
+                  </a:solidFill>
+                </a:uFill>
+                <a:latin typeface="Arial"/>
+              </a:rPr>
+              <a:t>branch</a:t>
+            </a:r>
+            <a:r>
+              <a:rPr lang="pt-BR" sz="2000" spc="-1" dirty="0" smtClean="0">
+                <a:solidFill>
+                  <a:srgbClr val="000000"/>
+                </a:solidFill>
+                <a:uFill>
+                  <a:solidFill>
+                    <a:srgbClr val="FFFFFF"/>
+                  </a:solidFill>
+                </a:uFill>
+                <a:latin typeface="Arial"/>
+              </a:rPr>
+              <a:t>&gt;</a:t>
+            </a:r>
+            <a:endParaRPr lang="pt-BR" sz="2000" b="0" strike="noStrike" spc="-1" dirty="0" smtClean="0">
+              <a:solidFill>
+                <a:srgbClr val="000000"/>
+              </a:solidFill>
+              <a:uFill>
+                <a:solidFill>
+                  <a:srgbClr val="FFFFFF"/>
+                </a:solidFill>
+              </a:uFill>
+              <a:latin typeface="Arial"/>
+            </a:endParaRPr>
+          </a:p>
+          <a:p>
+            <a:pPr marL="2160">
+              <a:lnSpc>
+                <a:spcPct val="90000"/>
+              </a:lnSpc>
+              <a:buClr>
+                <a:srgbClr val="808080"/>
+              </a:buClr>
+            </a:pPr>
+            <a:endParaRPr lang="pt-BR" sz="2000" spc="-1" dirty="0">
+              <a:solidFill>
+                <a:srgbClr val="000000"/>
+              </a:solidFill>
+              <a:uFill>
+                <a:solidFill>
+                  <a:srgbClr val="FFFFFF"/>
+                </a:solidFill>
+              </a:uFill>
+              <a:latin typeface="Arial"/>
+            </a:endParaRPr>
+          </a:p>
+          <a:p>
+            <a:pPr marL="2160">
+              <a:lnSpc>
+                <a:spcPct val="90000"/>
+              </a:lnSpc>
+              <a:buClr>
+                <a:srgbClr val="808080"/>
+              </a:buClr>
+            </a:pPr>
+            <a:r>
+              <a:rPr lang="pt-BR" sz="2000" spc="-1" dirty="0" err="1">
+                <a:solidFill>
+                  <a:srgbClr val="000000"/>
+                </a:solidFill>
+                <a:uFill>
+                  <a:solidFill>
+                    <a:srgbClr val="FFFFFF"/>
+                  </a:solidFill>
+                </a:uFill>
+                <a:latin typeface="Arial"/>
+              </a:rPr>
+              <a:t>git</a:t>
+            </a:r>
+            <a:r>
+              <a:rPr lang="pt-BR" sz="2000" spc="-1" dirty="0">
+                <a:solidFill>
+                  <a:srgbClr val="000000"/>
+                </a:solidFill>
+                <a:uFill>
+                  <a:solidFill>
+                    <a:srgbClr val="FFFFFF"/>
+                  </a:solidFill>
+                </a:uFill>
+                <a:latin typeface="Arial"/>
+              </a:rPr>
+              <a:t> merge &lt;</a:t>
+            </a:r>
+            <a:r>
+              <a:rPr lang="pt-BR" sz="2000" spc="-1" dirty="0" err="1">
+                <a:solidFill>
+                  <a:srgbClr val="000000"/>
+                </a:solidFill>
+                <a:uFill>
+                  <a:solidFill>
+                    <a:srgbClr val="FFFFFF"/>
+                  </a:solidFill>
+                </a:uFill>
+                <a:latin typeface="Arial"/>
+              </a:rPr>
+              <a:t>branch</a:t>
+            </a:r>
+            <a:r>
+              <a:rPr lang="pt-BR" sz="2000" spc="-1" dirty="0">
+                <a:solidFill>
+                  <a:srgbClr val="000000"/>
+                </a:solidFill>
+                <a:uFill>
+                  <a:solidFill>
+                    <a:srgbClr val="FFFFFF"/>
+                  </a:solidFill>
+                </a:uFill>
+                <a:latin typeface="Arial"/>
+              </a:rPr>
+              <a:t>&gt; </a:t>
+            </a:r>
+            <a:r>
+              <a:rPr lang="pt-BR" sz="2000" spc="-1" dirty="0" smtClean="0">
+                <a:solidFill>
+                  <a:srgbClr val="000000"/>
+                </a:solidFill>
+                <a:uFill>
+                  <a:solidFill>
+                    <a:srgbClr val="FFFFFF"/>
+                  </a:solidFill>
+                </a:uFill>
+                <a:latin typeface="Arial"/>
+              </a:rPr>
+              <a:t>-</a:t>
+            </a:r>
+            <a:r>
+              <a:rPr lang="pt-BR" sz="2000" spc="-1" dirty="0" err="1" smtClean="0">
+                <a:solidFill>
+                  <a:srgbClr val="000000"/>
+                </a:solidFill>
+                <a:uFill>
+                  <a:solidFill>
+                    <a:srgbClr val="FFFFFF"/>
+                  </a:solidFill>
+                </a:uFill>
+                <a:latin typeface="Arial"/>
+              </a:rPr>
+              <a:t>Xignore-space-change</a:t>
+            </a:r>
+            <a:endParaRPr lang="pt-BR" sz="2000" spc="-1" dirty="0" smtClean="0">
+              <a:solidFill>
+                <a:srgbClr val="000000"/>
+              </a:solidFill>
+              <a:uFill>
+                <a:solidFill>
+                  <a:srgbClr val="FFFFFF"/>
+                </a:solidFill>
+              </a:uFill>
+              <a:latin typeface="Arial"/>
+            </a:endParaRPr>
+          </a:p>
+          <a:p>
+            <a:pPr marL="2160">
+              <a:lnSpc>
+                <a:spcPct val="90000"/>
+              </a:lnSpc>
+              <a:buClr>
+                <a:srgbClr val="808080"/>
+              </a:buClr>
+            </a:pPr>
+            <a:endParaRPr lang="pt-BR" sz="2000" b="0" strike="noStrike" spc="-1" dirty="0">
+              <a:solidFill>
+                <a:srgbClr val="000000"/>
+              </a:solidFill>
+              <a:uFill>
+                <a:solidFill>
+                  <a:srgbClr val="FFFFFF"/>
+                </a:solidFill>
+              </a:uFill>
+              <a:latin typeface="Arial"/>
+            </a:endParaRPr>
+          </a:p>
+          <a:p>
+            <a:pPr marL="2160">
+              <a:lnSpc>
+                <a:spcPct val="90000"/>
+              </a:lnSpc>
+              <a:buClr>
+                <a:srgbClr val="808080"/>
+              </a:buClr>
+            </a:pPr>
+            <a:r>
+              <a:rPr lang="pt-BR" sz="2000" spc="-1" dirty="0" err="1">
+                <a:solidFill>
+                  <a:srgbClr val="000000"/>
+                </a:solidFill>
+                <a:uFill>
+                  <a:solidFill>
+                    <a:srgbClr val="FFFFFF"/>
+                  </a:solidFill>
+                </a:uFill>
+                <a:latin typeface="Arial"/>
+              </a:rPr>
+              <a:t>git</a:t>
+            </a:r>
+            <a:r>
+              <a:rPr lang="pt-BR" sz="2000" spc="-1" dirty="0">
+                <a:solidFill>
+                  <a:srgbClr val="000000"/>
+                </a:solidFill>
+                <a:uFill>
+                  <a:solidFill>
+                    <a:srgbClr val="FFFFFF"/>
+                  </a:solidFill>
+                </a:uFill>
+                <a:latin typeface="Arial"/>
+              </a:rPr>
+              <a:t> merge &lt;</a:t>
+            </a:r>
+            <a:r>
+              <a:rPr lang="pt-BR" sz="2000" spc="-1" dirty="0" err="1">
+                <a:solidFill>
+                  <a:srgbClr val="000000"/>
+                </a:solidFill>
+                <a:uFill>
+                  <a:solidFill>
+                    <a:srgbClr val="FFFFFF"/>
+                  </a:solidFill>
+                </a:uFill>
+                <a:latin typeface="Arial"/>
+              </a:rPr>
+              <a:t>branch</a:t>
+            </a:r>
+            <a:r>
+              <a:rPr lang="pt-BR" sz="2000" spc="-1" dirty="0">
+                <a:solidFill>
+                  <a:srgbClr val="000000"/>
+                </a:solidFill>
+                <a:uFill>
+                  <a:solidFill>
+                    <a:srgbClr val="FFFFFF"/>
+                  </a:solidFill>
+                </a:uFill>
+                <a:latin typeface="Arial"/>
+              </a:rPr>
+              <a:t>&gt; </a:t>
+            </a:r>
+            <a:r>
+              <a:rPr lang="pt-BR" sz="2000" spc="-1" dirty="0" smtClean="0">
+                <a:solidFill>
+                  <a:srgbClr val="000000"/>
+                </a:solidFill>
+                <a:uFill>
+                  <a:solidFill>
+                    <a:srgbClr val="FFFFFF"/>
+                  </a:solidFill>
+                </a:uFill>
+                <a:latin typeface="Arial"/>
+              </a:rPr>
+              <a:t>-</a:t>
+            </a:r>
+            <a:r>
+              <a:rPr lang="pt-BR" sz="2000" spc="-1" dirty="0" err="1" smtClean="0">
+                <a:solidFill>
+                  <a:srgbClr val="000000"/>
+                </a:solidFill>
+                <a:uFill>
+                  <a:solidFill>
+                    <a:srgbClr val="FFFFFF"/>
+                  </a:solidFill>
+                </a:uFill>
+                <a:latin typeface="Arial"/>
+              </a:rPr>
+              <a:t>Xignore-all-space</a:t>
+            </a:r>
+            <a:endParaRPr lang="pt-BR" sz="2000" spc="-1" dirty="0" smtClean="0">
+              <a:solidFill>
+                <a:srgbClr val="000000"/>
+              </a:solidFill>
+              <a:uFill>
+                <a:solidFill>
+                  <a:srgbClr val="FFFFFF"/>
+                </a:solidFill>
+              </a:uFill>
+              <a:latin typeface="Arial"/>
+            </a:endParaRPr>
+          </a:p>
+          <a:p>
+            <a:pPr marL="2160">
+              <a:lnSpc>
+                <a:spcPct val="90000"/>
+              </a:lnSpc>
+              <a:buClr>
+                <a:srgbClr val="808080"/>
+              </a:buClr>
+            </a:pPr>
+            <a:endParaRPr lang="pt-BR" sz="2000" b="0" strike="noStrike" spc="-1" dirty="0" smtClean="0">
+              <a:solidFill>
+                <a:srgbClr val="000000"/>
+              </a:solidFill>
+              <a:uFill>
+                <a:solidFill>
+                  <a:srgbClr val="FFFFFF"/>
+                </a:solidFill>
+              </a:uFill>
+              <a:latin typeface="Arial"/>
+            </a:endParaRPr>
+          </a:p>
+          <a:p>
+            <a:pPr marL="2160">
+              <a:lnSpc>
+                <a:spcPct val="90000"/>
+              </a:lnSpc>
+              <a:buClr>
+                <a:srgbClr val="808080"/>
+              </a:buClr>
+            </a:pPr>
+            <a:r>
+              <a:rPr lang="pt-BR" sz="2000" spc="-1" dirty="0" err="1">
+                <a:solidFill>
+                  <a:srgbClr val="000000"/>
+                </a:solidFill>
+                <a:uFill>
+                  <a:solidFill>
+                    <a:srgbClr val="FFFFFF"/>
+                  </a:solidFill>
+                </a:uFill>
+                <a:latin typeface="Arial"/>
+              </a:rPr>
+              <a:t>git</a:t>
+            </a:r>
+            <a:r>
+              <a:rPr lang="pt-BR" sz="2000" spc="-1" dirty="0">
+                <a:solidFill>
+                  <a:srgbClr val="000000"/>
+                </a:solidFill>
+                <a:uFill>
+                  <a:solidFill>
+                    <a:srgbClr val="FFFFFF"/>
+                  </a:solidFill>
+                </a:uFill>
+                <a:latin typeface="Arial"/>
+              </a:rPr>
+              <a:t> merge &lt;</a:t>
+            </a:r>
+            <a:r>
+              <a:rPr lang="pt-BR" sz="2000" spc="-1" dirty="0" err="1">
+                <a:solidFill>
+                  <a:srgbClr val="000000"/>
+                </a:solidFill>
+                <a:uFill>
+                  <a:solidFill>
+                    <a:srgbClr val="FFFFFF"/>
+                  </a:solidFill>
+                </a:uFill>
+                <a:latin typeface="Arial"/>
+              </a:rPr>
+              <a:t>branch</a:t>
+            </a:r>
+            <a:r>
+              <a:rPr lang="pt-BR" sz="2000" spc="-1" dirty="0">
+                <a:solidFill>
+                  <a:srgbClr val="000000"/>
+                </a:solidFill>
+                <a:uFill>
+                  <a:solidFill>
+                    <a:srgbClr val="FFFFFF"/>
+                  </a:solidFill>
+                </a:uFill>
+                <a:latin typeface="Arial"/>
+              </a:rPr>
+              <a:t>&gt; </a:t>
+            </a:r>
+            <a:r>
+              <a:rPr lang="pt-BR" sz="2000" spc="-1" dirty="0" smtClean="0">
+                <a:solidFill>
+                  <a:srgbClr val="000000"/>
+                </a:solidFill>
+                <a:uFill>
+                  <a:solidFill>
+                    <a:srgbClr val="FFFFFF"/>
+                  </a:solidFill>
+                </a:uFill>
+                <a:latin typeface="Arial"/>
+              </a:rPr>
+              <a:t>-</a:t>
+            </a:r>
+            <a:r>
+              <a:rPr lang="pt-BR" sz="2000" spc="-1" dirty="0" err="1" smtClean="0">
+                <a:solidFill>
+                  <a:srgbClr val="000000"/>
+                </a:solidFill>
+                <a:uFill>
+                  <a:solidFill>
+                    <a:srgbClr val="FFFFFF"/>
+                  </a:solidFill>
+                </a:uFill>
+                <a:latin typeface="Arial"/>
+              </a:rPr>
+              <a:t>Xours</a:t>
+            </a:r>
+            <a:endParaRPr lang="pt-BR" sz="2000" spc="-1" dirty="0">
+              <a:solidFill>
+                <a:srgbClr val="000000"/>
+              </a:solidFill>
+              <a:uFill>
+                <a:solidFill>
+                  <a:srgbClr val="FFFFFF"/>
+                </a:solidFill>
+              </a:uFill>
+              <a:latin typeface="Arial"/>
+            </a:endParaRPr>
+          </a:p>
+          <a:p>
+            <a:pPr marL="2160">
+              <a:lnSpc>
+                <a:spcPct val="90000"/>
+              </a:lnSpc>
+              <a:buClr>
+                <a:srgbClr val="808080"/>
+              </a:buClr>
+            </a:pPr>
+            <a:endParaRPr lang="pt-BR" sz="2000" b="0" strike="noStrike" spc="-1" dirty="0" smtClean="0">
+              <a:solidFill>
+                <a:srgbClr val="000000"/>
+              </a:solidFill>
+              <a:uFill>
+                <a:solidFill>
+                  <a:srgbClr val="FFFFFF"/>
+                </a:solidFill>
+              </a:uFill>
+              <a:latin typeface="Arial"/>
+            </a:endParaRPr>
+          </a:p>
+          <a:p>
+            <a:pPr marL="2160">
+              <a:lnSpc>
+                <a:spcPct val="90000"/>
+              </a:lnSpc>
+              <a:buClr>
+                <a:srgbClr val="808080"/>
+              </a:buClr>
+            </a:pPr>
+            <a:r>
+              <a:rPr lang="pt-BR" sz="2000" spc="-1" dirty="0" err="1">
+                <a:solidFill>
+                  <a:srgbClr val="000000"/>
+                </a:solidFill>
+                <a:uFill>
+                  <a:solidFill>
+                    <a:srgbClr val="FFFFFF"/>
+                  </a:solidFill>
+                </a:uFill>
+                <a:latin typeface="Arial"/>
+              </a:rPr>
+              <a:t>git</a:t>
+            </a:r>
+            <a:r>
+              <a:rPr lang="pt-BR" sz="2000" spc="-1" dirty="0">
+                <a:solidFill>
+                  <a:srgbClr val="000000"/>
+                </a:solidFill>
+                <a:uFill>
+                  <a:solidFill>
+                    <a:srgbClr val="FFFFFF"/>
+                  </a:solidFill>
+                </a:uFill>
+                <a:latin typeface="Arial"/>
+              </a:rPr>
+              <a:t> merge &lt;</a:t>
+            </a:r>
+            <a:r>
+              <a:rPr lang="pt-BR" sz="2000" spc="-1" dirty="0" err="1">
+                <a:solidFill>
+                  <a:srgbClr val="000000"/>
+                </a:solidFill>
+                <a:uFill>
+                  <a:solidFill>
+                    <a:srgbClr val="FFFFFF"/>
+                  </a:solidFill>
+                </a:uFill>
+                <a:latin typeface="Arial"/>
+              </a:rPr>
+              <a:t>branch</a:t>
+            </a:r>
+            <a:r>
+              <a:rPr lang="pt-BR" sz="2000" spc="-1" dirty="0">
+                <a:solidFill>
+                  <a:srgbClr val="000000"/>
+                </a:solidFill>
+                <a:uFill>
+                  <a:solidFill>
+                    <a:srgbClr val="FFFFFF"/>
+                  </a:solidFill>
+                </a:uFill>
+                <a:latin typeface="Arial"/>
+              </a:rPr>
+              <a:t>&gt; </a:t>
+            </a:r>
+            <a:r>
+              <a:rPr lang="pt-BR" sz="2000" spc="-1" dirty="0" smtClean="0">
+                <a:solidFill>
+                  <a:srgbClr val="000000"/>
+                </a:solidFill>
+                <a:uFill>
+                  <a:solidFill>
+                    <a:srgbClr val="FFFFFF"/>
+                  </a:solidFill>
+                </a:uFill>
+                <a:latin typeface="Arial"/>
+              </a:rPr>
+              <a:t>-</a:t>
+            </a:r>
+            <a:r>
+              <a:rPr lang="pt-BR" sz="2000" spc="-1" dirty="0" err="1" smtClean="0">
+                <a:solidFill>
+                  <a:srgbClr val="000000"/>
+                </a:solidFill>
+                <a:uFill>
+                  <a:solidFill>
+                    <a:srgbClr val="FFFFFF"/>
+                  </a:solidFill>
+                </a:uFill>
+                <a:latin typeface="Arial"/>
+              </a:rPr>
+              <a:t>Xtheirs</a:t>
+            </a:r>
+            <a:endParaRPr lang="pt-BR" sz="2000" spc="-1" dirty="0">
+              <a:solidFill>
+                <a:srgbClr val="000000"/>
+              </a:solidFill>
+              <a:uFill>
+                <a:solidFill>
+                  <a:srgbClr val="FFFFFF"/>
+                </a:solidFill>
+              </a:uFill>
+              <a:latin typeface="Arial"/>
+            </a:endParaRPr>
+          </a:p>
+          <a:p>
+            <a:pPr marL="2160">
+              <a:lnSpc>
+                <a:spcPct val="90000"/>
+              </a:lnSpc>
+              <a:buClr>
+                <a:srgbClr val="808080"/>
+              </a:buClr>
+            </a:pPr>
+            <a:endParaRPr lang="pt-BR" sz="2000" b="0" strike="noStrike" spc="-1" dirty="0">
+              <a:solidFill>
+                <a:srgbClr val="000000"/>
+              </a:solidFill>
+              <a:uFill>
+                <a:solidFill>
+                  <a:srgbClr val="FFFFFF"/>
+                </a:solidFill>
+              </a:uFill>
+              <a:latin typeface="Arial"/>
+            </a:endParaRPr>
+          </a:p>
+          <a:p>
+            <a:pPr marL="2160">
+              <a:lnSpc>
+                <a:spcPct val="90000"/>
+              </a:lnSpc>
+              <a:buClr>
+                <a:srgbClr val="808080"/>
+              </a:buClr>
+            </a:pPr>
+            <a:r>
+              <a:rPr lang="pt-BR" sz="2000" spc="-1" dirty="0" err="1">
+                <a:solidFill>
+                  <a:srgbClr val="000000"/>
+                </a:solidFill>
+                <a:uFill>
+                  <a:solidFill>
+                    <a:srgbClr val="FFFFFF"/>
+                  </a:solidFill>
+                </a:uFill>
+                <a:latin typeface="Arial"/>
+              </a:rPr>
+              <a:t>git</a:t>
+            </a:r>
+            <a:r>
+              <a:rPr lang="pt-BR" sz="2000" spc="-1" dirty="0">
+                <a:solidFill>
+                  <a:srgbClr val="000000"/>
+                </a:solidFill>
+                <a:uFill>
+                  <a:solidFill>
+                    <a:srgbClr val="FFFFFF"/>
+                  </a:solidFill>
+                </a:uFill>
+                <a:latin typeface="Arial"/>
+              </a:rPr>
               <a:t> </a:t>
             </a:r>
             <a:r>
-              <a:rPr lang="pt-BR" sz="2000" b="0" strike="noStrike" spc="-1" dirty="0" smtClean="0">
-                <a:solidFill>
-                  <a:srgbClr val="000000"/>
-                </a:solidFill>
-                <a:uFill>
-                  <a:solidFill>
-                    <a:srgbClr val="FFFFFF"/>
-                  </a:solidFill>
-                </a:uFill>
-                <a:latin typeface="Arial"/>
-              </a:rPr>
-              <a:t>merge –</a:t>
-            </a:r>
-            <a:r>
-              <a:rPr lang="pt-BR" sz="2000" b="0" strike="noStrike" spc="-1" dirty="0" err="1" smtClean="0">
-                <a:solidFill>
-                  <a:srgbClr val="000000"/>
-                </a:solidFill>
-                <a:uFill>
-                  <a:solidFill>
-                    <a:srgbClr val="FFFFFF"/>
-                  </a:solidFill>
-                </a:uFill>
-                <a:latin typeface="Arial"/>
-              </a:rPr>
-              <a:t>Xignore-all-space</a:t>
-            </a:r>
+              <a:rPr lang="pt-BR" sz="2000" spc="-1" dirty="0" smtClean="0">
+                <a:solidFill>
+                  <a:srgbClr val="000000"/>
+                </a:solidFill>
+                <a:uFill>
+                  <a:solidFill>
+                    <a:srgbClr val="FFFFFF"/>
+                  </a:solidFill>
+                </a:uFill>
+                <a:latin typeface="Arial"/>
+              </a:rPr>
+              <a:t>merge --</a:t>
+            </a:r>
+            <a:r>
+              <a:rPr lang="pt-BR" sz="2000" spc="-1" dirty="0" err="1" smtClean="0">
+                <a:solidFill>
+                  <a:srgbClr val="000000"/>
+                </a:solidFill>
+                <a:uFill>
+                  <a:solidFill>
+                    <a:srgbClr val="FFFFFF"/>
+                  </a:solidFill>
+                </a:uFill>
+                <a:latin typeface="Arial"/>
+              </a:rPr>
+              <a:t>abort</a:t>
+            </a:r>
+            <a:endParaRPr lang="pt-BR" sz="2000" spc="-1" dirty="0" smtClean="0">
+              <a:solidFill>
+                <a:srgbClr val="000000"/>
+              </a:solidFill>
+              <a:uFill>
+                <a:solidFill>
+                  <a:srgbClr val="FFFFFF"/>
+                </a:solidFill>
+              </a:uFill>
+              <a:latin typeface="Arial"/>
+            </a:endParaRPr>
+          </a:p>
+          <a:p>
+            <a:pPr marL="2160">
+              <a:lnSpc>
+                <a:spcPct val="90000"/>
+              </a:lnSpc>
+              <a:buClr>
+                <a:srgbClr val="808080"/>
+              </a:buClr>
+            </a:pPr>
+            <a:endParaRPr lang="pt-BR" sz="2000" spc="-1" dirty="0">
+              <a:solidFill>
+                <a:srgbClr val="000000"/>
+              </a:solidFill>
+              <a:uFill>
+                <a:solidFill>
+                  <a:srgbClr val="FFFFFF"/>
+                </a:solidFill>
+              </a:uFill>
+              <a:latin typeface="Arial"/>
+            </a:endParaRPr>
+          </a:p>
+          <a:p>
+            <a:pPr marL="2160">
+              <a:lnSpc>
+                <a:spcPct val="90000"/>
+              </a:lnSpc>
+              <a:buClr>
+                <a:srgbClr val="808080"/>
+              </a:buClr>
+            </a:pPr>
+            <a:r>
+              <a:rPr lang="pt-BR" sz="2000" spc="-1" dirty="0" err="1" smtClean="0">
+                <a:solidFill>
+                  <a:srgbClr val="000000"/>
+                </a:solidFill>
+                <a:uFill>
+                  <a:solidFill>
+                    <a:srgbClr val="FFFFFF"/>
+                  </a:solidFill>
+                </a:uFill>
+                <a:latin typeface="Arial"/>
+              </a:rPr>
+              <a:t>git</a:t>
+            </a:r>
+            <a:r>
+              <a:rPr lang="pt-BR" sz="2000" spc="-1" dirty="0" smtClean="0">
+                <a:solidFill>
+                  <a:srgbClr val="000000"/>
+                </a:solidFill>
+                <a:uFill>
+                  <a:solidFill>
+                    <a:srgbClr val="FFFFFF"/>
+                  </a:solidFill>
+                </a:uFill>
+                <a:latin typeface="Arial"/>
+              </a:rPr>
+              <a:t> </a:t>
+            </a:r>
+            <a:r>
+              <a:rPr lang="pt-BR" sz="2000" spc="-1" dirty="0" err="1" smtClean="0">
+                <a:solidFill>
+                  <a:srgbClr val="000000"/>
+                </a:solidFill>
+                <a:uFill>
+                  <a:solidFill>
+                    <a:srgbClr val="FFFFFF"/>
+                  </a:solidFill>
+                </a:uFill>
+                <a:latin typeface="Arial"/>
+              </a:rPr>
+              <a:t>diff</a:t>
+            </a:r>
+            <a:r>
+              <a:rPr lang="pt-BR" sz="2000" spc="-1" dirty="0" smtClean="0">
+                <a:solidFill>
+                  <a:srgbClr val="000000"/>
+                </a:solidFill>
+                <a:uFill>
+                  <a:solidFill>
+                    <a:srgbClr val="FFFFFF"/>
+                  </a:solidFill>
+                </a:uFill>
+                <a:latin typeface="Arial"/>
+              </a:rPr>
+              <a:t> --</a:t>
+            </a:r>
+            <a:r>
+              <a:rPr lang="pt-BR" sz="2000" spc="-1" dirty="0" err="1" smtClean="0">
+                <a:solidFill>
+                  <a:srgbClr val="000000"/>
+                </a:solidFill>
+                <a:uFill>
+                  <a:solidFill>
+                    <a:srgbClr val="FFFFFF"/>
+                  </a:solidFill>
+                </a:uFill>
+                <a:latin typeface="Arial"/>
+              </a:rPr>
+              <a:t>ours|theirs|base</a:t>
+            </a:r>
+            <a:r>
+              <a:rPr lang="pt-BR" sz="2000" spc="-1" dirty="0" smtClean="0">
+                <a:solidFill>
+                  <a:srgbClr val="000000"/>
+                </a:solidFill>
+                <a:uFill>
+                  <a:solidFill>
+                    <a:srgbClr val="FFFFFF"/>
+                  </a:solidFill>
+                </a:uFill>
+                <a:latin typeface="Arial"/>
+              </a:rPr>
+              <a:t> </a:t>
+            </a:r>
+          </a:p>
+          <a:p>
+            <a:pPr marL="2160">
+              <a:lnSpc>
+                <a:spcPct val="90000"/>
+              </a:lnSpc>
+              <a:buClr>
+                <a:srgbClr val="808080"/>
+              </a:buClr>
+            </a:pPr>
+            <a:endParaRPr lang="pt-BR" sz="2000" b="0" strike="noStrike" spc="-1" dirty="0">
+              <a:solidFill>
+                <a:srgbClr val="000000"/>
+              </a:solidFill>
+              <a:uFill>
+                <a:solidFill>
+                  <a:srgbClr val="FFFFFF"/>
+                </a:solidFill>
+              </a:uFill>
+              <a:latin typeface="Arial"/>
+            </a:endParaRPr>
+          </a:p>
+          <a:p>
+            <a:pPr marL="2160">
+              <a:lnSpc>
+                <a:spcPct val="90000"/>
+              </a:lnSpc>
+              <a:buClr>
+                <a:srgbClr val="808080"/>
+              </a:buClr>
+            </a:pPr>
             <a:endParaRPr lang="pt-BR" sz="2000" b="0" strike="noStrike" spc="-1" dirty="0" smtClean="0">
               <a:solidFill>
                 <a:srgbClr val="000000"/>

--- a/aula04.pptx
+++ b/aula04.pptx
@@ -5,10 +5,10 @@
     <p:sldMasterId id="2147483661" r:id="rId1"/>
   </p:sldMasterIdLst>
   <p:notesMasterIdLst>
-    <p:notesMasterId r:id="rId16"/>
+    <p:notesMasterId r:id="rId17"/>
   </p:notesMasterIdLst>
   <p:handoutMasterIdLst>
-    <p:handoutMasterId r:id="rId17"/>
+    <p:handoutMasterId r:id="rId18"/>
   </p:handoutMasterIdLst>
   <p:sldIdLst>
     <p:sldId id="256" r:id="rId2"/>
@@ -19,12 +19,13 @@
     <p:sldId id="303" r:id="rId7"/>
     <p:sldId id="301" r:id="rId8"/>
     <p:sldId id="302" r:id="rId9"/>
-    <p:sldId id="306" r:id="rId10"/>
-    <p:sldId id="265" r:id="rId11"/>
-    <p:sldId id="270" r:id="rId12"/>
-    <p:sldId id="266" r:id="rId13"/>
-    <p:sldId id="271" r:id="rId14"/>
-    <p:sldId id="272" r:id="rId15"/>
+    <p:sldId id="307" r:id="rId10"/>
+    <p:sldId id="306" r:id="rId11"/>
+    <p:sldId id="265" r:id="rId12"/>
+    <p:sldId id="270" r:id="rId13"/>
+    <p:sldId id="266" r:id="rId14"/>
+    <p:sldId id="271" r:id="rId15"/>
+    <p:sldId id="272" r:id="rId16"/>
   </p:sldIdLst>
   <p:sldSz cx="12192000" cy="6858000"/>
   <p:notesSz cx="7559675" cy="10691813"/>
@@ -227,7 +228,7 @@
           <a:p>
             <a:fld id="{6C49945D-C7A5-4C24-8C40-26DF39573107}" type="datetimeFigureOut">
               <a:rPr lang="pt-BR" smtClean="0"/>
-              <a:t>14/11/2019</a:t>
+              <a:t>18/11/2019</a:t>
             </a:fld>
             <a:endParaRPr lang="pt-BR"/>
           </a:p>
@@ -392,7 +393,7 @@
           <a:p>
             <a:fld id="{89E744D0-4B69-4805-8E5B-2ED33711F7F9}" type="datetimeFigureOut">
               <a:rPr lang="pt-BR" smtClean="0"/>
-              <a:t>14/11/2019</a:t>
+              <a:t>18/11/2019</a:t>
             </a:fld>
             <a:endParaRPr lang="pt-BR"/>
           </a:p>
@@ -725,7 +726,7 @@
           <a:p>
             <a:fld id="{D986AB5F-DE36-496E-8AB9-DFE6C126C4FD}" type="slidenum">
               <a:rPr lang="pt-BR" smtClean="0"/>
-              <a:t>13</a:t>
+              <a:t>14</a:t>
             </a:fld>
             <a:endParaRPr lang="pt-BR"/>
           </a:p>
@@ -809,7 +810,7 @@
           <a:p>
             <a:fld id="{D986AB5F-DE36-496E-8AB9-DFE6C126C4FD}" type="slidenum">
               <a:rPr lang="pt-BR" smtClean="0"/>
-              <a:t>14</a:t>
+              <a:t>15</a:t>
             </a:fld>
             <a:endParaRPr lang="pt-BR"/>
           </a:p>
@@ -959,7 +960,7 @@
           <a:p>
             <a:fld id="{AFCDBBB8-40EA-44D2-B029-6DE6549FEB5E}" type="datetimeFigureOut">
               <a:rPr lang="pt-BR" smtClean="0"/>
-              <a:t>14/11/2019</a:t>
+              <a:t>18/11/2019</a:t>
             </a:fld>
             <a:endParaRPr lang="pt-BR"/>
           </a:p>
@@ -1129,7 +1130,7 @@
           <a:p>
             <a:fld id="{AFCDBBB8-40EA-44D2-B029-6DE6549FEB5E}" type="datetimeFigureOut">
               <a:rPr lang="pt-BR" smtClean="0"/>
-              <a:t>14/11/2019</a:t>
+              <a:t>18/11/2019</a:t>
             </a:fld>
             <a:endParaRPr lang="pt-BR"/>
           </a:p>
@@ -1309,7 +1310,7 @@
           <a:p>
             <a:fld id="{AFCDBBB8-40EA-44D2-B029-6DE6549FEB5E}" type="datetimeFigureOut">
               <a:rPr lang="pt-BR" smtClean="0"/>
-              <a:t>14/11/2019</a:t>
+              <a:t>18/11/2019</a:t>
             </a:fld>
             <a:endParaRPr lang="pt-BR"/>
           </a:p>
@@ -1479,7 +1480,7 @@
           <a:p>
             <a:fld id="{AFCDBBB8-40EA-44D2-B029-6DE6549FEB5E}" type="datetimeFigureOut">
               <a:rPr lang="pt-BR" smtClean="0"/>
-              <a:t>14/11/2019</a:t>
+              <a:t>18/11/2019</a:t>
             </a:fld>
             <a:endParaRPr lang="pt-BR"/>
           </a:p>
@@ -1725,7 +1726,7 @@
           <a:p>
             <a:fld id="{AFCDBBB8-40EA-44D2-B029-6DE6549FEB5E}" type="datetimeFigureOut">
               <a:rPr lang="pt-BR" smtClean="0"/>
-              <a:t>14/11/2019</a:t>
+              <a:t>18/11/2019</a:t>
             </a:fld>
             <a:endParaRPr lang="pt-BR"/>
           </a:p>
@@ -1957,7 +1958,7 @@
           <a:p>
             <a:fld id="{AFCDBBB8-40EA-44D2-B029-6DE6549FEB5E}" type="datetimeFigureOut">
               <a:rPr lang="pt-BR" smtClean="0"/>
-              <a:t>14/11/2019</a:t>
+              <a:t>18/11/2019</a:t>
             </a:fld>
             <a:endParaRPr lang="pt-BR"/>
           </a:p>
@@ -2324,7 +2325,7 @@
           <a:p>
             <a:fld id="{AFCDBBB8-40EA-44D2-B029-6DE6549FEB5E}" type="datetimeFigureOut">
               <a:rPr lang="pt-BR" smtClean="0"/>
-              <a:t>14/11/2019</a:t>
+              <a:t>18/11/2019</a:t>
             </a:fld>
             <a:endParaRPr lang="pt-BR"/>
           </a:p>
@@ -2442,7 +2443,7 @@
           <a:p>
             <a:fld id="{AFCDBBB8-40EA-44D2-B029-6DE6549FEB5E}" type="datetimeFigureOut">
               <a:rPr lang="pt-BR" smtClean="0"/>
-              <a:t>14/11/2019</a:t>
+              <a:t>18/11/2019</a:t>
             </a:fld>
             <a:endParaRPr lang="pt-BR"/>
           </a:p>
@@ -2537,7 +2538,7 @@
           <a:p>
             <a:fld id="{AFCDBBB8-40EA-44D2-B029-6DE6549FEB5E}" type="datetimeFigureOut">
               <a:rPr lang="pt-BR" smtClean="0"/>
-              <a:t>14/11/2019</a:t>
+              <a:t>18/11/2019</a:t>
             </a:fld>
             <a:endParaRPr lang="pt-BR"/>
           </a:p>
@@ -2814,7 +2815,7 @@
           <a:p>
             <a:fld id="{AFCDBBB8-40EA-44D2-B029-6DE6549FEB5E}" type="datetimeFigureOut">
               <a:rPr lang="pt-BR" smtClean="0"/>
-              <a:t>14/11/2019</a:t>
+              <a:t>18/11/2019</a:t>
             </a:fld>
             <a:endParaRPr lang="pt-BR"/>
           </a:p>
@@ -3067,7 +3068,7 @@
           <a:p>
             <a:fld id="{AFCDBBB8-40EA-44D2-B029-6DE6549FEB5E}" type="datetimeFigureOut">
               <a:rPr lang="pt-BR" smtClean="0"/>
-              <a:t>14/11/2019</a:t>
+              <a:t>18/11/2019</a:t>
             </a:fld>
             <a:endParaRPr lang="pt-BR"/>
           </a:p>
@@ -3280,7 +3281,7 @@
           <a:p>
             <a:fld id="{AFCDBBB8-40EA-44D2-B029-6DE6549FEB5E}" type="datetimeFigureOut">
               <a:rPr lang="pt-BR" smtClean="0"/>
-              <a:t>14/11/2019</a:t>
+              <a:t>18/11/2019</a:t>
             </a:fld>
             <a:endParaRPr lang="pt-BR"/>
           </a:p>
@@ -3833,7 +3834,7 @@
       </p:grpSpPr>
       <p:sp>
         <p:nvSpPr>
-          <p:cNvPr id="183" name="CustomShape 1"/>
+          <p:cNvPr id="177" name="CustomShape 1"/>
           <p:cNvSpPr/>
           <p:nvPr/>
         </p:nvSpPr>
@@ -3872,17 +3873,28 @@
               </a:lnSpc>
             </a:pPr>
             <a:r>
-              <a:rPr lang="pt-BR" sz="3200" b="1" strike="noStrike" spc="-1" dirty="0" smtClean="0">
+              <a:rPr lang="pt-BR" sz="3200" b="1" spc="-1" dirty="0" err="1" smtClean="0">
                 <a:uFill>
                   <a:solidFill>
                     <a:srgbClr val="FFFFFF"/>
                   </a:solidFill>
                 </a:uFill>
                 <a:latin typeface="Arial" panose="020B0604020202020204" pitchFamily="34" charset="0"/>
-                <a:ea typeface="DejaVu Sans"/>
                 <a:cs typeface="Arial" panose="020B0604020202020204" pitchFamily="34" charset="0"/>
               </a:rPr>
-              <a:t>Merge</a:t>
+              <a:t>git</a:t>
+            </a:r>
+            <a:r>
+              <a:rPr lang="pt-BR" sz="3200" b="1" spc="-1" dirty="0" smtClean="0">
+                <a:uFill>
+                  <a:solidFill>
+                    <a:srgbClr val="FFFFFF"/>
+                  </a:solidFill>
+                </a:uFill>
+                <a:latin typeface="Arial" panose="020B0604020202020204" pitchFamily="34" charset="0"/>
+                <a:cs typeface="Arial" panose="020B0604020202020204" pitchFamily="34" charset="0"/>
+              </a:rPr>
+              <a:t> merge</a:t>
             </a:r>
             <a:endParaRPr lang="pt-BR" sz="1800" b="1" strike="noStrike" spc="-1" dirty="0">
               <a:uFill>
@@ -3896,37 +3908,951 @@
           </a:p>
         </p:txBody>
       </p:sp>
-      <p:pic>
-        <p:nvPicPr>
-          <p:cNvPr id="2" name="Imagem 1"/>
-          <p:cNvPicPr>
-            <a:picLocks noChangeAspect="1"/>
-          </p:cNvPicPr>
+      <p:sp>
+        <p:nvSpPr>
+          <p:cNvPr id="3" name="CustomShape 2"/>
+          <p:cNvSpPr/>
           <p:nvPr/>
-        </p:nvPicPr>
-        <p:blipFill>
-          <a:blip r:embed="rId2">
-            <a:extLst>
-              <a:ext uri="{28A0092B-C50C-407E-A947-70E740481C1C}">
-                <a14:useLocalDpi xmlns:a14="http://schemas.microsoft.com/office/drawing/2010/main" val="0"/>
-              </a:ext>
-            </a:extLst>
-          </a:blip>
-          <a:stretch>
-            <a:fillRect/>
-          </a:stretch>
-        </p:blipFill>
+        </p:nvSpPr>
         <p:spPr>
           <a:xfrm>
-            <a:off x="2286000" y="1700808"/>
-            <a:ext cx="7620000" cy="4362450"/>
+            <a:off x="334800" y="1649192"/>
+            <a:ext cx="11543400" cy="2067840"/>
           </a:xfrm>
           <a:prstGeom prst="rect">
             <a:avLst/>
           </a:prstGeom>
+          <a:noFill/>
+          <a:ln>
+            <a:noFill/>
+          </a:ln>
         </p:spPr>
-      </p:pic>
+        <p:style>
+          <a:lnRef idx="0">
+            <a:scrgbClr r="0" g="0" b="0"/>
+          </a:lnRef>
+          <a:fillRef idx="0">
+            <a:scrgbClr r="0" g="0" b="0"/>
+          </a:fillRef>
+          <a:effectRef idx="0">
+            <a:scrgbClr r="0" g="0" b="0"/>
+          </a:effectRef>
+          <a:fontRef idx="minor"/>
+        </p:style>
+        <p:txBody>
+          <a:bodyPr lIns="90000" tIns="45000" rIns="90000" bIns="45000"/>
+          <a:lstStyle/>
+          <a:p>
+            <a:pPr marL="2160">
+              <a:lnSpc>
+                <a:spcPct val="90000"/>
+              </a:lnSpc>
+              <a:buClr>
+                <a:srgbClr val="808080"/>
+              </a:buClr>
+            </a:pPr>
+            <a:r>
+              <a:rPr lang="pt-BR" sz="2000" b="0" strike="noStrike" spc="-1" dirty="0" err="1" smtClean="0">
+                <a:solidFill>
+                  <a:srgbClr val="000000"/>
+                </a:solidFill>
+                <a:uFill>
+                  <a:solidFill>
+                    <a:srgbClr val="FFFFFF"/>
+                  </a:solidFill>
+                </a:uFill>
+                <a:latin typeface="Arial"/>
+              </a:rPr>
+              <a:t>git</a:t>
+            </a:r>
+            <a:r>
+              <a:rPr lang="pt-BR" sz="2000" b="0" strike="noStrike" spc="-1" dirty="0" smtClean="0">
+                <a:solidFill>
+                  <a:srgbClr val="000000"/>
+                </a:solidFill>
+                <a:uFill>
+                  <a:solidFill>
+                    <a:srgbClr val="FFFFFF"/>
+                  </a:solidFill>
+                </a:uFill>
+                <a:latin typeface="Arial"/>
+              </a:rPr>
+              <a:t> merge </a:t>
+            </a:r>
+            <a:r>
+              <a:rPr lang="pt-BR" sz="2000" spc="-1" dirty="0" smtClean="0">
+                <a:solidFill>
+                  <a:srgbClr val="000000"/>
+                </a:solidFill>
+                <a:uFill>
+                  <a:solidFill>
+                    <a:srgbClr val="FFFFFF"/>
+                  </a:solidFill>
+                </a:uFill>
+                <a:latin typeface="Arial"/>
+              </a:rPr>
+              <a:t>&lt;</a:t>
+            </a:r>
+            <a:r>
+              <a:rPr lang="pt-BR" sz="2000" spc="-1" dirty="0" err="1" smtClean="0">
+                <a:solidFill>
+                  <a:srgbClr val="000000"/>
+                </a:solidFill>
+                <a:uFill>
+                  <a:solidFill>
+                    <a:srgbClr val="FFFFFF"/>
+                  </a:solidFill>
+                </a:uFill>
+                <a:latin typeface="Arial"/>
+              </a:rPr>
+              <a:t>branch</a:t>
+            </a:r>
+            <a:r>
+              <a:rPr lang="pt-BR" sz="2000" spc="-1" dirty="0" smtClean="0">
+                <a:solidFill>
+                  <a:srgbClr val="000000"/>
+                </a:solidFill>
+                <a:uFill>
+                  <a:solidFill>
+                    <a:srgbClr val="FFFFFF"/>
+                  </a:solidFill>
+                </a:uFill>
+                <a:latin typeface="Arial"/>
+              </a:rPr>
+              <a:t>&gt;</a:t>
+            </a:r>
+            <a:endParaRPr lang="pt-BR" sz="2000" b="0" strike="noStrike" spc="-1" dirty="0" smtClean="0">
+              <a:solidFill>
+                <a:srgbClr val="000000"/>
+              </a:solidFill>
+              <a:uFill>
+                <a:solidFill>
+                  <a:srgbClr val="FFFFFF"/>
+                </a:solidFill>
+              </a:uFill>
+              <a:latin typeface="Arial"/>
+            </a:endParaRPr>
+          </a:p>
+          <a:p>
+            <a:pPr marL="2160">
+              <a:lnSpc>
+                <a:spcPct val="90000"/>
+              </a:lnSpc>
+              <a:buClr>
+                <a:srgbClr val="808080"/>
+              </a:buClr>
+            </a:pPr>
+            <a:endParaRPr lang="pt-BR" sz="2000" spc="-1" dirty="0">
+              <a:solidFill>
+                <a:srgbClr val="000000"/>
+              </a:solidFill>
+              <a:uFill>
+                <a:solidFill>
+                  <a:srgbClr val="FFFFFF"/>
+                </a:solidFill>
+              </a:uFill>
+              <a:latin typeface="Arial"/>
+            </a:endParaRPr>
+          </a:p>
+          <a:p>
+            <a:pPr marL="2160">
+              <a:lnSpc>
+                <a:spcPct val="90000"/>
+              </a:lnSpc>
+              <a:buClr>
+                <a:srgbClr val="808080"/>
+              </a:buClr>
+            </a:pPr>
+            <a:r>
+              <a:rPr lang="pt-BR" sz="2000" spc="-1" dirty="0" err="1">
+                <a:solidFill>
+                  <a:srgbClr val="000000"/>
+                </a:solidFill>
+                <a:uFill>
+                  <a:solidFill>
+                    <a:srgbClr val="FFFFFF"/>
+                  </a:solidFill>
+                </a:uFill>
+                <a:latin typeface="Arial"/>
+              </a:rPr>
+              <a:t>git</a:t>
+            </a:r>
+            <a:r>
+              <a:rPr lang="pt-BR" sz="2000" spc="-1" dirty="0">
+                <a:solidFill>
+                  <a:srgbClr val="000000"/>
+                </a:solidFill>
+                <a:uFill>
+                  <a:solidFill>
+                    <a:srgbClr val="FFFFFF"/>
+                  </a:solidFill>
+                </a:uFill>
+                <a:latin typeface="Arial"/>
+              </a:rPr>
+              <a:t> merge &lt;</a:t>
+            </a:r>
+            <a:r>
+              <a:rPr lang="pt-BR" sz="2000" spc="-1" dirty="0" err="1">
+                <a:solidFill>
+                  <a:srgbClr val="000000"/>
+                </a:solidFill>
+                <a:uFill>
+                  <a:solidFill>
+                    <a:srgbClr val="FFFFFF"/>
+                  </a:solidFill>
+                </a:uFill>
+                <a:latin typeface="Arial"/>
+              </a:rPr>
+              <a:t>branch</a:t>
+            </a:r>
+            <a:r>
+              <a:rPr lang="pt-BR" sz="2000" spc="-1" dirty="0">
+                <a:solidFill>
+                  <a:srgbClr val="000000"/>
+                </a:solidFill>
+                <a:uFill>
+                  <a:solidFill>
+                    <a:srgbClr val="FFFFFF"/>
+                  </a:solidFill>
+                </a:uFill>
+                <a:latin typeface="Arial"/>
+              </a:rPr>
+              <a:t>&gt; </a:t>
+            </a:r>
+            <a:r>
+              <a:rPr lang="pt-BR" sz="2000" spc="-1" dirty="0" smtClean="0">
+                <a:solidFill>
+                  <a:srgbClr val="000000"/>
+                </a:solidFill>
+                <a:uFill>
+                  <a:solidFill>
+                    <a:srgbClr val="FFFFFF"/>
+                  </a:solidFill>
+                </a:uFill>
+                <a:latin typeface="Arial"/>
+              </a:rPr>
+              <a:t>-</a:t>
+            </a:r>
+            <a:r>
+              <a:rPr lang="pt-BR" sz="2000" spc="-1" dirty="0" err="1" smtClean="0">
+                <a:solidFill>
+                  <a:srgbClr val="000000"/>
+                </a:solidFill>
+                <a:uFill>
+                  <a:solidFill>
+                    <a:srgbClr val="FFFFFF"/>
+                  </a:solidFill>
+                </a:uFill>
+                <a:latin typeface="Arial"/>
+              </a:rPr>
+              <a:t>Xignore-space-change</a:t>
+            </a:r>
+            <a:endParaRPr lang="pt-BR" sz="2000" spc="-1" dirty="0" smtClean="0">
+              <a:solidFill>
+                <a:srgbClr val="000000"/>
+              </a:solidFill>
+              <a:uFill>
+                <a:solidFill>
+                  <a:srgbClr val="FFFFFF"/>
+                </a:solidFill>
+              </a:uFill>
+              <a:latin typeface="Arial"/>
+            </a:endParaRPr>
+          </a:p>
+          <a:p>
+            <a:pPr marL="2160">
+              <a:lnSpc>
+                <a:spcPct val="90000"/>
+              </a:lnSpc>
+              <a:buClr>
+                <a:srgbClr val="808080"/>
+              </a:buClr>
+            </a:pPr>
+            <a:endParaRPr lang="pt-BR" sz="2000" b="0" strike="noStrike" spc="-1" dirty="0">
+              <a:solidFill>
+                <a:srgbClr val="000000"/>
+              </a:solidFill>
+              <a:uFill>
+                <a:solidFill>
+                  <a:srgbClr val="FFFFFF"/>
+                </a:solidFill>
+              </a:uFill>
+              <a:latin typeface="Arial"/>
+            </a:endParaRPr>
+          </a:p>
+          <a:p>
+            <a:pPr marL="2160">
+              <a:lnSpc>
+                <a:spcPct val="90000"/>
+              </a:lnSpc>
+              <a:buClr>
+                <a:srgbClr val="808080"/>
+              </a:buClr>
+            </a:pPr>
+            <a:r>
+              <a:rPr lang="pt-BR" sz="2000" spc="-1" dirty="0" err="1">
+                <a:solidFill>
+                  <a:srgbClr val="000000"/>
+                </a:solidFill>
+                <a:uFill>
+                  <a:solidFill>
+                    <a:srgbClr val="FFFFFF"/>
+                  </a:solidFill>
+                </a:uFill>
+                <a:latin typeface="Arial"/>
+              </a:rPr>
+              <a:t>git</a:t>
+            </a:r>
+            <a:r>
+              <a:rPr lang="pt-BR" sz="2000" spc="-1" dirty="0">
+                <a:solidFill>
+                  <a:srgbClr val="000000"/>
+                </a:solidFill>
+                <a:uFill>
+                  <a:solidFill>
+                    <a:srgbClr val="FFFFFF"/>
+                  </a:solidFill>
+                </a:uFill>
+                <a:latin typeface="Arial"/>
+              </a:rPr>
+              <a:t> merge &lt;</a:t>
+            </a:r>
+            <a:r>
+              <a:rPr lang="pt-BR" sz="2000" spc="-1" dirty="0" err="1">
+                <a:solidFill>
+                  <a:srgbClr val="000000"/>
+                </a:solidFill>
+                <a:uFill>
+                  <a:solidFill>
+                    <a:srgbClr val="FFFFFF"/>
+                  </a:solidFill>
+                </a:uFill>
+                <a:latin typeface="Arial"/>
+              </a:rPr>
+              <a:t>branch</a:t>
+            </a:r>
+            <a:r>
+              <a:rPr lang="pt-BR" sz="2000" spc="-1" dirty="0">
+                <a:solidFill>
+                  <a:srgbClr val="000000"/>
+                </a:solidFill>
+                <a:uFill>
+                  <a:solidFill>
+                    <a:srgbClr val="FFFFFF"/>
+                  </a:solidFill>
+                </a:uFill>
+                <a:latin typeface="Arial"/>
+              </a:rPr>
+              <a:t>&gt; </a:t>
+            </a:r>
+            <a:r>
+              <a:rPr lang="pt-BR" sz="2000" spc="-1" dirty="0" smtClean="0">
+                <a:solidFill>
+                  <a:srgbClr val="000000"/>
+                </a:solidFill>
+                <a:uFill>
+                  <a:solidFill>
+                    <a:srgbClr val="FFFFFF"/>
+                  </a:solidFill>
+                </a:uFill>
+                <a:latin typeface="Arial"/>
+              </a:rPr>
+              <a:t>-</a:t>
+            </a:r>
+            <a:r>
+              <a:rPr lang="pt-BR" sz="2000" spc="-1" dirty="0" err="1" smtClean="0">
+                <a:solidFill>
+                  <a:srgbClr val="000000"/>
+                </a:solidFill>
+                <a:uFill>
+                  <a:solidFill>
+                    <a:srgbClr val="FFFFFF"/>
+                  </a:solidFill>
+                </a:uFill>
+                <a:latin typeface="Arial"/>
+              </a:rPr>
+              <a:t>Xignore-all-space</a:t>
+            </a:r>
+            <a:endParaRPr lang="pt-BR" sz="2000" spc="-1" dirty="0" smtClean="0">
+              <a:solidFill>
+                <a:srgbClr val="000000"/>
+              </a:solidFill>
+              <a:uFill>
+                <a:solidFill>
+                  <a:srgbClr val="FFFFFF"/>
+                </a:solidFill>
+              </a:uFill>
+              <a:latin typeface="Arial"/>
+            </a:endParaRPr>
+          </a:p>
+          <a:p>
+            <a:pPr marL="2160">
+              <a:lnSpc>
+                <a:spcPct val="90000"/>
+              </a:lnSpc>
+              <a:buClr>
+                <a:srgbClr val="808080"/>
+              </a:buClr>
+            </a:pPr>
+            <a:endParaRPr lang="pt-BR" sz="2000" b="0" strike="noStrike" spc="-1" dirty="0" smtClean="0">
+              <a:solidFill>
+                <a:srgbClr val="000000"/>
+              </a:solidFill>
+              <a:uFill>
+                <a:solidFill>
+                  <a:srgbClr val="FFFFFF"/>
+                </a:solidFill>
+              </a:uFill>
+              <a:latin typeface="Arial"/>
+            </a:endParaRPr>
+          </a:p>
+          <a:p>
+            <a:pPr marL="2160">
+              <a:lnSpc>
+                <a:spcPct val="90000"/>
+              </a:lnSpc>
+              <a:buClr>
+                <a:srgbClr val="808080"/>
+              </a:buClr>
+            </a:pPr>
+            <a:r>
+              <a:rPr lang="pt-BR" sz="2000" spc="-1" dirty="0" err="1">
+                <a:solidFill>
+                  <a:srgbClr val="000000"/>
+                </a:solidFill>
+                <a:uFill>
+                  <a:solidFill>
+                    <a:srgbClr val="FFFFFF"/>
+                  </a:solidFill>
+                </a:uFill>
+                <a:latin typeface="Arial"/>
+              </a:rPr>
+              <a:t>git</a:t>
+            </a:r>
+            <a:r>
+              <a:rPr lang="pt-BR" sz="2000" spc="-1" dirty="0">
+                <a:solidFill>
+                  <a:srgbClr val="000000"/>
+                </a:solidFill>
+                <a:uFill>
+                  <a:solidFill>
+                    <a:srgbClr val="FFFFFF"/>
+                  </a:solidFill>
+                </a:uFill>
+                <a:latin typeface="Arial"/>
+              </a:rPr>
+              <a:t> merge &lt;</a:t>
+            </a:r>
+            <a:r>
+              <a:rPr lang="pt-BR" sz="2000" spc="-1" dirty="0" err="1">
+                <a:solidFill>
+                  <a:srgbClr val="000000"/>
+                </a:solidFill>
+                <a:uFill>
+                  <a:solidFill>
+                    <a:srgbClr val="FFFFFF"/>
+                  </a:solidFill>
+                </a:uFill>
+                <a:latin typeface="Arial"/>
+              </a:rPr>
+              <a:t>branch</a:t>
+            </a:r>
+            <a:r>
+              <a:rPr lang="pt-BR" sz="2000" spc="-1" dirty="0">
+                <a:solidFill>
+                  <a:srgbClr val="000000"/>
+                </a:solidFill>
+                <a:uFill>
+                  <a:solidFill>
+                    <a:srgbClr val="FFFFFF"/>
+                  </a:solidFill>
+                </a:uFill>
+                <a:latin typeface="Arial"/>
+              </a:rPr>
+              <a:t>&gt; </a:t>
+            </a:r>
+            <a:r>
+              <a:rPr lang="pt-BR" sz="2000" spc="-1" dirty="0" smtClean="0">
+                <a:solidFill>
+                  <a:srgbClr val="000000"/>
+                </a:solidFill>
+                <a:uFill>
+                  <a:solidFill>
+                    <a:srgbClr val="FFFFFF"/>
+                  </a:solidFill>
+                </a:uFill>
+                <a:latin typeface="Arial"/>
+              </a:rPr>
+              <a:t>-</a:t>
+            </a:r>
+            <a:r>
+              <a:rPr lang="pt-BR" sz="2000" spc="-1" dirty="0" err="1" smtClean="0">
+                <a:solidFill>
+                  <a:srgbClr val="000000"/>
+                </a:solidFill>
+                <a:uFill>
+                  <a:solidFill>
+                    <a:srgbClr val="FFFFFF"/>
+                  </a:solidFill>
+                </a:uFill>
+                <a:latin typeface="Arial"/>
+              </a:rPr>
+              <a:t>Xours</a:t>
+            </a:r>
+            <a:endParaRPr lang="pt-BR" sz="2000" spc="-1" dirty="0">
+              <a:solidFill>
+                <a:srgbClr val="000000"/>
+              </a:solidFill>
+              <a:uFill>
+                <a:solidFill>
+                  <a:srgbClr val="FFFFFF"/>
+                </a:solidFill>
+              </a:uFill>
+              <a:latin typeface="Arial"/>
+            </a:endParaRPr>
+          </a:p>
+          <a:p>
+            <a:pPr marL="2160">
+              <a:lnSpc>
+                <a:spcPct val="90000"/>
+              </a:lnSpc>
+              <a:buClr>
+                <a:srgbClr val="808080"/>
+              </a:buClr>
+            </a:pPr>
+            <a:endParaRPr lang="pt-BR" sz="2000" b="0" strike="noStrike" spc="-1" dirty="0" smtClean="0">
+              <a:solidFill>
+                <a:srgbClr val="000000"/>
+              </a:solidFill>
+              <a:uFill>
+                <a:solidFill>
+                  <a:srgbClr val="FFFFFF"/>
+                </a:solidFill>
+              </a:uFill>
+              <a:latin typeface="Arial"/>
+            </a:endParaRPr>
+          </a:p>
+          <a:p>
+            <a:pPr marL="2160">
+              <a:lnSpc>
+                <a:spcPct val="90000"/>
+              </a:lnSpc>
+              <a:buClr>
+                <a:srgbClr val="808080"/>
+              </a:buClr>
+            </a:pPr>
+            <a:r>
+              <a:rPr lang="pt-BR" sz="2000" spc="-1" dirty="0" err="1">
+                <a:solidFill>
+                  <a:srgbClr val="000000"/>
+                </a:solidFill>
+                <a:uFill>
+                  <a:solidFill>
+                    <a:srgbClr val="FFFFFF"/>
+                  </a:solidFill>
+                </a:uFill>
+                <a:latin typeface="Arial"/>
+              </a:rPr>
+              <a:t>git</a:t>
+            </a:r>
+            <a:r>
+              <a:rPr lang="pt-BR" sz="2000" spc="-1" dirty="0">
+                <a:solidFill>
+                  <a:srgbClr val="000000"/>
+                </a:solidFill>
+                <a:uFill>
+                  <a:solidFill>
+                    <a:srgbClr val="FFFFFF"/>
+                  </a:solidFill>
+                </a:uFill>
+                <a:latin typeface="Arial"/>
+              </a:rPr>
+              <a:t> merge &lt;</a:t>
+            </a:r>
+            <a:r>
+              <a:rPr lang="pt-BR" sz="2000" spc="-1" dirty="0" err="1">
+                <a:solidFill>
+                  <a:srgbClr val="000000"/>
+                </a:solidFill>
+                <a:uFill>
+                  <a:solidFill>
+                    <a:srgbClr val="FFFFFF"/>
+                  </a:solidFill>
+                </a:uFill>
+                <a:latin typeface="Arial"/>
+              </a:rPr>
+              <a:t>branch</a:t>
+            </a:r>
+            <a:r>
+              <a:rPr lang="pt-BR" sz="2000" spc="-1" dirty="0">
+                <a:solidFill>
+                  <a:srgbClr val="000000"/>
+                </a:solidFill>
+                <a:uFill>
+                  <a:solidFill>
+                    <a:srgbClr val="FFFFFF"/>
+                  </a:solidFill>
+                </a:uFill>
+                <a:latin typeface="Arial"/>
+              </a:rPr>
+              <a:t>&gt; </a:t>
+            </a:r>
+            <a:r>
+              <a:rPr lang="pt-BR" sz="2000" spc="-1" dirty="0" smtClean="0">
+                <a:solidFill>
+                  <a:srgbClr val="000000"/>
+                </a:solidFill>
+                <a:uFill>
+                  <a:solidFill>
+                    <a:srgbClr val="FFFFFF"/>
+                  </a:solidFill>
+                </a:uFill>
+                <a:latin typeface="Arial"/>
+              </a:rPr>
+              <a:t>-</a:t>
+            </a:r>
+            <a:r>
+              <a:rPr lang="pt-BR" sz="2000" spc="-1" dirty="0" err="1" smtClean="0">
+                <a:solidFill>
+                  <a:srgbClr val="000000"/>
+                </a:solidFill>
+                <a:uFill>
+                  <a:solidFill>
+                    <a:srgbClr val="FFFFFF"/>
+                  </a:solidFill>
+                </a:uFill>
+                <a:latin typeface="Arial"/>
+              </a:rPr>
+              <a:t>Xtheirs</a:t>
+            </a:r>
+            <a:endParaRPr lang="pt-BR" sz="2000" spc="-1" dirty="0">
+              <a:solidFill>
+                <a:srgbClr val="000000"/>
+              </a:solidFill>
+              <a:uFill>
+                <a:solidFill>
+                  <a:srgbClr val="FFFFFF"/>
+                </a:solidFill>
+              </a:uFill>
+              <a:latin typeface="Arial"/>
+            </a:endParaRPr>
+          </a:p>
+          <a:p>
+            <a:pPr marL="2160">
+              <a:lnSpc>
+                <a:spcPct val="90000"/>
+              </a:lnSpc>
+              <a:buClr>
+                <a:srgbClr val="808080"/>
+              </a:buClr>
+            </a:pPr>
+            <a:endParaRPr lang="pt-BR" sz="2000" b="0" strike="noStrike" spc="-1" dirty="0">
+              <a:solidFill>
+                <a:srgbClr val="000000"/>
+              </a:solidFill>
+              <a:uFill>
+                <a:solidFill>
+                  <a:srgbClr val="FFFFFF"/>
+                </a:solidFill>
+              </a:uFill>
+              <a:latin typeface="Arial"/>
+            </a:endParaRPr>
+          </a:p>
+          <a:p>
+            <a:pPr marL="2160">
+              <a:lnSpc>
+                <a:spcPct val="90000"/>
+              </a:lnSpc>
+              <a:buClr>
+                <a:srgbClr val="808080"/>
+              </a:buClr>
+            </a:pPr>
+            <a:r>
+              <a:rPr lang="pt-BR" sz="2000" spc="-1" dirty="0" err="1">
+                <a:solidFill>
+                  <a:srgbClr val="000000"/>
+                </a:solidFill>
+                <a:uFill>
+                  <a:solidFill>
+                    <a:srgbClr val="FFFFFF"/>
+                  </a:solidFill>
+                </a:uFill>
+                <a:latin typeface="Arial"/>
+              </a:rPr>
+              <a:t>git</a:t>
+            </a:r>
+            <a:r>
+              <a:rPr lang="pt-BR" sz="2000" spc="-1" dirty="0">
+                <a:solidFill>
+                  <a:srgbClr val="000000"/>
+                </a:solidFill>
+                <a:uFill>
+                  <a:solidFill>
+                    <a:srgbClr val="FFFFFF"/>
+                  </a:solidFill>
+                </a:uFill>
+                <a:latin typeface="Arial"/>
+              </a:rPr>
+              <a:t> </a:t>
+            </a:r>
+            <a:r>
+              <a:rPr lang="pt-BR" sz="2000" spc="-1" dirty="0" smtClean="0">
+                <a:solidFill>
+                  <a:srgbClr val="000000"/>
+                </a:solidFill>
+                <a:uFill>
+                  <a:solidFill>
+                    <a:srgbClr val="FFFFFF"/>
+                  </a:solidFill>
+                </a:uFill>
+                <a:latin typeface="Arial"/>
+              </a:rPr>
+              <a:t>merge --</a:t>
+            </a:r>
+            <a:r>
+              <a:rPr lang="pt-BR" sz="2000" spc="-1" dirty="0" err="1" smtClean="0">
+                <a:solidFill>
+                  <a:srgbClr val="000000"/>
+                </a:solidFill>
+                <a:uFill>
+                  <a:solidFill>
+                    <a:srgbClr val="FFFFFF"/>
+                  </a:solidFill>
+                </a:uFill>
+                <a:latin typeface="Arial"/>
+              </a:rPr>
+              <a:t>abort</a:t>
+            </a:r>
+            <a:endParaRPr lang="pt-BR" sz="2000" spc="-1" dirty="0" smtClean="0">
+              <a:solidFill>
+                <a:srgbClr val="000000"/>
+              </a:solidFill>
+              <a:uFill>
+                <a:solidFill>
+                  <a:srgbClr val="FFFFFF"/>
+                </a:solidFill>
+              </a:uFill>
+              <a:latin typeface="Arial"/>
+            </a:endParaRPr>
+          </a:p>
+          <a:p>
+            <a:pPr marL="2160">
+              <a:lnSpc>
+                <a:spcPct val="90000"/>
+              </a:lnSpc>
+              <a:buClr>
+                <a:srgbClr val="808080"/>
+              </a:buClr>
+            </a:pPr>
+            <a:endParaRPr lang="pt-BR" sz="2000" spc="-1" dirty="0">
+              <a:solidFill>
+                <a:srgbClr val="000000"/>
+              </a:solidFill>
+              <a:uFill>
+                <a:solidFill>
+                  <a:srgbClr val="FFFFFF"/>
+                </a:solidFill>
+              </a:uFill>
+              <a:latin typeface="Arial"/>
+            </a:endParaRPr>
+          </a:p>
+          <a:p>
+            <a:pPr marL="2160">
+              <a:lnSpc>
+                <a:spcPct val="90000"/>
+              </a:lnSpc>
+              <a:buClr>
+                <a:srgbClr val="808080"/>
+              </a:buClr>
+            </a:pPr>
+            <a:r>
+              <a:rPr lang="pt-BR" sz="2000" spc="-1" dirty="0" err="1" smtClean="0">
+                <a:solidFill>
+                  <a:srgbClr val="000000"/>
+                </a:solidFill>
+                <a:uFill>
+                  <a:solidFill>
+                    <a:srgbClr val="FFFFFF"/>
+                  </a:solidFill>
+                </a:uFill>
+                <a:latin typeface="Arial"/>
+              </a:rPr>
+              <a:t>git</a:t>
+            </a:r>
+            <a:r>
+              <a:rPr lang="pt-BR" sz="2000" spc="-1" dirty="0" smtClean="0">
+                <a:solidFill>
+                  <a:srgbClr val="000000"/>
+                </a:solidFill>
+                <a:uFill>
+                  <a:solidFill>
+                    <a:srgbClr val="FFFFFF"/>
+                  </a:solidFill>
+                </a:uFill>
+                <a:latin typeface="Arial"/>
+              </a:rPr>
+              <a:t> </a:t>
+            </a:r>
+            <a:r>
+              <a:rPr lang="pt-BR" sz="2000" spc="-1" dirty="0" err="1" smtClean="0">
+                <a:solidFill>
+                  <a:srgbClr val="000000"/>
+                </a:solidFill>
+                <a:uFill>
+                  <a:solidFill>
+                    <a:srgbClr val="FFFFFF"/>
+                  </a:solidFill>
+                </a:uFill>
+                <a:latin typeface="Arial"/>
+              </a:rPr>
+              <a:t>diff</a:t>
+            </a:r>
+            <a:r>
+              <a:rPr lang="pt-BR" sz="2000" spc="-1" dirty="0" smtClean="0">
+                <a:solidFill>
+                  <a:srgbClr val="000000"/>
+                </a:solidFill>
+                <a:uFill>
+                  <a:solidFill>
+                    <a:srgbClr val="FFFFFF"/>
+                  </a:solidFill>
+                </a:uFill>
+                <a:latin typeface="Arial"/>
+              </a:rPr>
+              <a:t> </a:t>
+            </a:r>
+            <a:r>
+              <a:rPr lang="pt-BR" sz="2000" spc="-1" dirty="0" smtClean="0">
+                <a:solidFill>
+                  <a:srgbClr val="000000"/>
+                </a:solidFill>
+                <a:uFill>
+                  <a:solidFill>
+                    <a:srgbClr val="FFFFFF"/>
+                  </a:solidFill>
+                </a:uFill>
+                <a:latin typeface="Arial"/>
+              </a:rPr>
+              <a:t>–</a:t>
+            </a:r>
+            <a:r>
+              <a:rPr lang="pt-BR" sz="2000" spc="-1" dirty="0" err="1" smtClean="0">
+                <a:solidFill>
+                  <a:srgbClr val="000000"/>
+                </a:solidFill>
+                <a:uFill>
+                  <a:solidFill>
+                    <a:srgbClr val="FFFFFF"/>
+                  </a:solidFill>
+                </a:uFill>
+                <a:latin typeface="Arial"/>
+              </a:rPr>
+              <a:t>ours</a:t>
+            </a:r>
+            <a:r>
+              <a:rPr lang="pt-BR" sz="2000" spc="-1" dirty="0" smtClean="0">
+                <a:solidFill>
+                  <a:srgbClr val="000000"/>
+                </a:solidFill>
+                <a:uFill>
+                  <a:solidFill>
+                    <a:srgbClr val="FFFFFF"/>
+                  </a:solidFill>
+                </a:uFill>
+                <a:latin typeface="Arial"/>
+              </a:rPr>
+              <a:t> | </a:t>
+            </a:r>
+            <a:r>
+              <a:rPr lang="pt-BR" sz="2000" spc="-1" dirty="0" err="1" smtClean="0">
+                <a:solidFill>
+                  <a:srgbClr val="000000"/>
+                </a:solidFill>
+                <a:uFill>
+                  <a:solidFill>
+                    <a:srgbClr val="FFFFFF"/>
+                  </a:solidFill>
+                </a:uFill>
+                <a:latin typeface="Arial"/>
+              </a:rPr>
+              <a:t>theirs</a:t>
+            </a:r>
+            <a:r>
+              <a:rPr lang="pt-BR" sz="2000" spc="-1" dirty="0" smtClean="0">
+                <a:solidFill>
+                  <a:srgbClr val="000000"/>
+                </a:solidFill>
+                <a:uFill>
+                  <a:solidFill>
+                    <a:srgbClr val="FFFFFF"/>
+                  </a:solidFill>
+                </a:uFill>
+                <a:latin typeface="Arial"/>
+              </a:rPr>
+              <a:t> | base </a:t>
+            </a:r>
+            <a:endParaRPr lang="pt-BR" sz="2000" spc="-1" dirty="0" smtClean="0">
+              <a:solidFill>
+                <a:srgbClr val="000000"/>
+              </a:solidFill>
+              <a:uFill>
+                <a:solidFill>
+                  <a:srgbClr val="FFFFFF"/>
+                </a:solidFill>
+              </a:uFill>
+              <a:latin typeface="Arial"/>
+            </a:endParaRPr>
+          </a:p>
+          <a:p>
+            <a:pPr marL="2160">
+              <a:lnSpc>
+                <a:spcPct val="90000"/>
+              </a:lnSpc>
+              <a:buClr>
+                <a:srgbClr val="808080"/>
+              </a:buClr>
+            </a:pPr>
+            <a:endParaRPr lang="pt-BR" sz="2000" b="0" strike="noStrike" spc="-1" dirty="0">
+              <a:solidFill>
+                <a:srgbClr val="000000"/>
+              </a:solidFill>
+              <a:uFill>
+                <a:solidFill>
+                  <a:srgbClr val="FFFFFF"/>
+                </a:solidFill>
+              </a:uFill>
+              <a:latin typeface="Arial"/>
+            </a:endParaRPr>
+          </a:p>
+          <a:p>
+            <a:pPr marL="2160">
+              <a:lnSpc>
+                <a:spcPct val="90000"/>
+              </a:lnSpc>
+              <a:buClr>
+                <a:srgbClr val="808080"/>
+              </a:buClr>
+            </a:pPr>
+            <a:endParaRPr lang="pt-BR" sz="2000" b="0" strike="noStrike" spc="-1" dirty="0" smtClean="0">
+              <a:solidFill>
+                <a:srgbClr val="000000"/>
+              </a:solidFill>
+              <a:uFill>
+                <a:solidFill>
+                  <a:srgbClr val="FFFFFF"/>
+                </a:solidFill>
+              </a:uFill>
+              <a:latin typeface="Arial"/>
+            </a:endParaRPr>
+          </a:p>
+        </p:txBody>
+      </p:sp>
     </p:spTree>
+    <p:extLst>
+      <p:ext uri="{BB962C8B-B14F-4D97-AF65-F5344CB8AC3E}">
+        <p14:creationId xmlns:p14="http://schemas.microsoft.com/office/powerpoint/2010/main" val="2250881235"/>
+      </p:ext>
+    </p:extLst>
   </p:cSld>
   <p:clrMapOvr>
     <a:masterClrMapping/>
@@ -3980,7 +4906,7 @@
       </p:grpSpPr>
       <p:sp>
         <p:nvSpPr>
-          <p:cNvPr id="186" name="CustomShape 1"/>
+          <p:cNvPr id="183" name="CustomShape 1"/>
           <p:cNvSpPr/>
           <p:nvPr/>
         </p:nvSpPr>
@@ -4019,7 +4945,7 @@
               </a:lnSpc>
             </a:pPr>
             <a:r>
-              <a:rPr lang="pt-BR" sz="3200" b="1" strike="noStrike" spc="-1" dirty="0" err="1" smtClean="0">
+              <a:rPr lang="pt-BR" sz="3200" b="1" strike="noStrike" spc="-1" dirty="0" smtClean="0">
                 <a:uFill>
                   <a:solidFill>
                     <a:srgbClr val="FFFFFF"/>
@@ -4029,33 +4955,7 @@
                 <a:ea typeface="DejaVu Sans"/>
                 <a:cs typeface="Arial" panose="020B0604020202020204" pitchFamily="34" charset="0"/>
               </a:rPr>
-              <a:t>Fast</a:t>
-            </a:r>
-            <a:r>
-              <a:rPr lang="pt-BR" sz="3200" b="1" strike="noStrike" spc="-1" dirty="0" smtClean="0">
-                <a:uFill>
-                  <a:solidFill>
-                    <a:srgbClr val="FFFFFF"/>
-                  </a:solidFill>
-                </a:uFill>
-                <a:latin typeface="Arial" panose="020B0604020202020204" pitchFamily="34" charset="0"/>
-                <a:ea typeface="DejaVu Sans"/>
-                <a:cs typeface="Arial" panose="020B0604020202020204" pitchFamily="34" charset="0"/>
-              </a:rPr>
-              <a:t> </a:t>
-            </a:r>
-            <a:r>
-              <a:rPr lang="pt-BR" sz="3200" b="1" strike="noStrike" spc="-1" dirty="0" err="1" smtClean="0">
-                <a:uFill>
-                  <a:solidFill>
-                    <a:srgbClr val="FFFFFF"/>
-                  </a:solidFill>
-                </a:uFill>
-                <a:latin typeface="Arial" panose="020B0604020202020204" pitchFamily="34" charset="0"/>
-                <a:ea typeface="DejaVu Sans"/>
-                <a:cs typeface="Arial" panose="020B0604020202020204" pitchFamily="34" charset="0"/>
-              </a:rPr>
-              <a:t>forward</a:t>
+              <a:t>Merge</a:t>
             </a:r>
             <a:endParaRPr lang="pt-BR" sz="1800" b="1" strike="noStrike" spc="-1" dirty="0">
               <a:uFill>
@@ -4071,7 +4971,7 @@
       </p:sp>
       <p:pic>
         <p:nvPicPr>
-          <p:cNvPr id="5" name="Imagem 4"/>
+          <p:cNvPr id="2" name="Imagem 1"/>
           <p:cNvPicPr>
             <a:picLocks noChangeAspect="1"/>
           </p:cNvPicPr>
@@ -4091,8 +4991,8 @@
         </p:blipFill>
         <p:spPr>
           <a:xfrm>
-            <a:off x="3093357" y="0"/>
-            <a:ext cx="6005286" cy="6858000"/>
+            <a:off x="2286000" y="1700808"/>
+            <a:ext cx="7620000" cy="4362450"/>
           </a:xfrm>
           <a:prstGeom prst="rect">
             <a:avLst/>
@@ -4100,11 +5000,6 @@
         </p:spPr>
       </p:pic>
     </p:spTree>
-    <p:extLst>
-      <p:ext uri="{BB962C8B-B14F-4D97-AF65-F5344CB8AC3E}">
-        <p14:creationId xmlns:p14="http://schemas.microsoft.com/office/powerpoint/2010/main" val="745732237"/>
-      </p:ext>
-    </p:extLst>
   </p:cSld>
   <p:clrMapOvr>
     <a:masterClrMapping/>
@@ -4197,7 +5092,7 @@
               </a:lnSpc>
             </a:pPr>
             <a:r>
-              <a:rPr lang="pt-BR" sz="3200" b="1" strike="noStrike" spc="-1" dirty="0" smtClean="0">
+              <a:rPr lang="pt-BR" sz="3200" b="1" strike="noStrike" spc="-1" dirty="0" err="1" smtClean="0">
                 <a:uFill>
                   <a:solidFill>
                     <a:srgbClr val="FFFFFF"/>
@@ -4207,26 +5102,33 @@
                 <a:ea typeface="DejaVu Sans"/>
                 <a:cs typeface="Arial" panose="020B0604020202020204" pitchFamily="34" charset="0"/>
               </a:rPr>
-              <a:t>Merge com ou</a:t>
-            </a:r>
-          </a:p>
-          <a:p>
-            <a:pPr>
-              <a:lnSpc>
-                <a:spcPct val="100000"/>
-              </a:lnSpc>
-            </a:pPr>
-            <a:r>
-              <a:rPr lang="pt-BR" sz="3200" b="1" spc="-1" dirty="0" smtClean="0">
+              <a:t>Fast</a:t>
+            </a:r>
+            <a:r>
+              <a:rPr lang="pt-BR" sz="3200" b="1" strike="noStrike" spc="-1" dirty="0" smtClean="0">
                 <a:uFill>
                   <a:solidFill>
                     <a:srgbClr val="FFFFFF"/>
                   </a:solidFill>
                 </a:uFill>
                 <a:latin typeface="Arial" panose="020B0604020202020204" pitchFamily="34" charset="0"/>
+                <a:ea typeface="DejaVu Sans"/>
                 <a:cs typeface="Arial" panose="020B0604020202020204" pitchFamily="34" charset="0"/>
               </a:rPr>
-              <a:t>sem conflito</a:t>
+              <a:t> </a:t>
+            </a:r>
+            <a:r>
+              <a:rPr lang="pt-BR" sz="3200" b="1" strike="noStrike" spc="-1" dirty="0" err="1" smtClean="0">
+                <a:uFill>
+                  <a:solidFill>
+                    <a:srgbClr val="FFFFFF"/>
+                  </a:solidFill>
+                </a:uFill>
+                <a:latin typeface="Arial" panose="020B0604020202020204" pitchFamily="34" charset="0"/>
+                <a:ea typeface="DejaVu Sans"/>
+                <a:cs typeface="Arial" panose="020B0604020202020204" pitchFamily="34" charset="0"/>
+              </a:rPr>
+              <a:t>forward</a:t>
             </a:r>
             <a:endParaRPr lang="pt-BR" sz="1800" b="1" strike="noStrike" spc="-1" dirty="0">
               <a:uFill>
@@ -4242,7 +5144,7 @@
       </p:sp>
       <p:pic>
         <p:nvPicPr>
-          <p:cNvPr id="2" name="Imagem 1"/>
+          <p:cNvPr id="5" name="Imagem 4"/>
           <p:cNvPicPr>
             <a:picLocks noChangeAspect="1"/>
           </p:cNvPicPr>
@@ -4262,8 +5164,8 @@
         </p:blipFill>
         <p:spPr>
           <a:xfrm>
-            <a:off x="3258359" y="0"/>
-            <a:ext cx="5675282" cy="6858000"/>
+            <a:off x="3093357" y="0"/>
+            <a:ext cx="6005286" cy="6858000"/>
           </a:xfrm>
           <a:prstGeom prst="rect">
             <a:avLst/>
@@ -4271,6 +5173,11 @@
         </p:spPr>
       </p:pic>
     </p:spTree>
+    <p:extLst>
+      <p:ext uri="{BB962C8B-B14F-4D97-AF65-F5344CB8AC3E}">
+        <p14:creationId xmlns:p14="http://schemas.microsoft.com/office/powerpoint/2010/main" val="745732237"/>
+      </p:ext>
+    </p:extLst>
   </p:cSld>
   <p:clrMapOvr>
     <a:masterClrMapping/>
@@ -4373,6 +5280,172 @@
                 <a:ea typeface="DejaVu Sans"/>
                 <a:cs typeface="Arial" panose="020B0604020202020204" pitchFamily="34" charset="0"/>
               </a:rPr>
+              <a:t>Merge com ou</a:t>
+            </a:r>
+          </a:p>
+          <a:p>
+            <a:pPr>
+              <a:lnSpc>
+                <a:spcPct val="100000"/>
+              </a:lnSpc>
+            </a:pPr>
+            <a:r>
+              <a:rPr lang="pt-BR" sz="3200" b="1" spc="-1" dirty="0" smtClean="0">
+                <a:uFill>
+                  <a:solidFill>
+                    <a:srgbClr val="FFFFFF"/>
+                  </a:solidFill>
+                </a:uFill>
+                <a:latin typeface="Arial" panose="020B0604020202020204" pitchFamily="34" charset="0"/>
+                <a:cs typeface="Arial" panose="020B0604020202020204" pitchFamily="34" charset="0"/>
+              </a:rPr>
+              <a:t>sem conflito</a:t>
+            </a:r>
+            <a:endParaRPr lang="pt-BR" sz="1800" b="1" strike="noStrike" spc="-1" dirty="0">
+              <a:uFill>
+                <a:solidFill>
+                  <a:srgbClr val="FFFFFF"/>
+                </a:solidFill>
+              </a:uFill>
+              <a:latin typeface="Arial" panose="020B0604020202020204" pitchFamily="34" charset="0"/>
+              <a:cs typeface="Arial" panose="020B0604020202020204" pitchFamily="34" charset="0"/>
+            </a:endParaRPr>
+          </a:p>
+        </p:txBody>
+      </p:sp>
+      <p:pic>
+        <p:nvPicPr>
+          <p:cNvPr id="2" name="Imagem 1"/>
+          <p:cNvPicPr>
+            <a:picLocks noChangeAspect="1"/>
+          </p:cNvPicPr>
+          <p:nvPr/>
+        </p:nvPicPr>
+        <p:blipFill>
+          <a:blip r:embed="rId2">
+            <a:extLst>
+              <a:ext uri="{28A0092B-C50C-407E-A947-70E740481C1C}">
+                <a14:useLocalDpi xmlns:a14="http://schemas.microsoft.com/office/drawing/2010/main" val="0"/>
+              </a:ext>
+            </a:extLst>
+          </a:blip>
+          <a:stretch>
+            <a:fillRect/>
+          </a:stretch>
+        </p:blipFill>
+        <p:spPr>
+          <a:xfrm>
+            <a:off x="3258359" y="0"/>
+            <a:ext cx="5675282" cy="6858000"/>
+          </a:xfrm>
+          <a:prstGeom prst="rect">
+            <a:avLst/>
+          </a:prstGeom>
+        </p:spPr>
+      </p:pic>
+    </p:spTree>
+  </p:cSld>
+  <p:clrMapOvr>
+    <a:masterClrMapping/>
+  </p:clrMapOvr>
+  <p:timing>
+    <p:tnLst>
+      <p:par>
+        <p:cTn id="1" dur="indefinite" restart="never" nodeType="tmRoot">
+          <p:childTnLst>
+            <p:seq>
+              <p:cTn id="2" nodeType="mainSeq"/>
+              <p:prevCondLst>
+                <p:cond evt="onPrev" delay="0">
+                  <p:tgtEl>
+                    <p:sldTgt/>
+                  </p:tgtEl>
+                </p:cond>
+              </p:prevCondLst>
+              <p:nextCondLst>
+                <p:cond evt="onNext" delay="0">
+                  <p:tgtEl>
+                    <p:sldTgt/>
+                  </p:tgtEl>
+                </p:cond>
+              </p:nextCondLst>
+            </p:seq>
+          </p:childTnLst>
+        </p:cTn>
+      </p:par>
+    </p:tnLst>
+  </p:timing>
+</p:sld>
+</file>
+
+<file path=ppt/slides/slide14.xml><?xml version="1.0" encoding="utf-8"?>
+<p:sld xmlns:a="http://schemas.openxmlformats.org/drawingml/2006/main" xmlns:r="http://schemas.openxmlformats.org/officeDocument/2006/relationships" xmlns:p="http://schemas.openxmlformats.org/presentationml/2006/main">
+  <p:cSld>
+    <p:spTree>
+      <p:nvGrpSpPr>
+        <p:cNvPr id="1" name=""/>
+        <p:cNvGrpSpPr/>
+        <p:nvPr/>
+      </p:nvGrpSpPr>
+      <p:grpSpPr>
+        <a:xfrm>
+          <a:off x="0" y="0"/>
+          <a:ext cx="0" cy="0"/>
+          <a:chOff x="0" y="0"/>
+          <a:chExt cx="0" cy="0"/>
+        </a:xfrm>
+      </p:grpSpPr>
+      <p:sp>
+        <p:nvSpPr>
+          <p:cNvPr id="186" name="CustomShape 1"/>
+          <p:cNvSpPr/>
+          <p:nvPr/>
+        </p:nvSpPr>
+        <p:spPr>
+          <a:xfrm>
+            <a:off x="217800" y="-18720"/>
+            <a:ext cx="10513440" cy="1323360"/>
+          </a:xfrm>
+          <a:prstGeom prst="rect">
+            <a:avLst/>
+          </a:prstGeom>
+          <a:noFill/>
+          <a:ln>
+            <a:noFill/>
+          </a:ln>
+        </p:spPr>
+        <p:style>
+          <a:lnRef idx="0">
+            <a:scrgbClr r="0" g="0" b="0"/>
+          </a:lnRef>
+          <a:fillRef idx="0">
+            <a:scrgbClr r="0" g="0" b="0"/>
+          </a:fillRef>
+          <a:effectRef idx="0">
+            <a:scrgbClr r="0" g="0" b="0"/>
+          </a:effectRef>
+          <a:fontRef idx="minor"/>
+        </p:style>
+        <p:txBody>
+          <a:bodyPr lIns="90000" tIns="45000" rIns="90000" bIns="45000" anchor="ctr"/>
+          <a:lstStyle/>
+          <a:p>
+            <a:pPr>
+              <a:lnSpc>
+                <a:spcPct val="100000"/>
+              </a:lnSpc>
+            </a:pPr>
+            <a:r>
+              <a:rPr lang="pt-BR" sz="3200" b="1" strike="noStrike" spc="-1" dirty="0" smtClean="0">
+                <a:uFill>
+                  <a:solidFill>
+                    <a:srgbClr val="FFFFFF"/>
+                  </a:solidFill>
+                </a:uFill>
+                <a:latin typeface="Arial" panose="020B0604020202020204" pitchFamily="34" charset="0"/>
+                <a:ea typeface="DejaVu Sans"/>
+                <a:cs typeface="Arial" panose="020B0604020202020204" pitchFamily="34" charset="0"/>
+              </a:rPr>
               <a:t>Merge </a:t>
             </a:r>
             <a:r>
@@ -5597,7 +6670,7 @@
 </p:sld>
 </file>
 
-<file path=ppt/slides/slide14.xml><?xml version="1.0" encoding="utf-8"?>
+<file path=ppt/slides/slide15.xml><?xml version="1.0" encoding="utf-8"?>
 <p:sld xmlns:a="http://schemas.openxmlformats.org/drawingml/2006/main" xmlns:r="http://schemas.openxmlformats.org/officeDocument/2006/relationships" xmlns:p="http://schemas.openxmlformats.org/presentationml/2006/main">
   <p:cSld>
     <p:spTree>
@@ -7412,6 +8485,230 @@
               </a:rPr>
               <a:t>:</a:t>
             </a:r>
+          </a:p>
+          <a:p>
+            <a:pPr marL="2160">
+              <a:lnSpc>
+                <a:spcPct val="90000"/>
+              </a:lnSpc>
+              <a:buClr>
+                <a:srgbClr val="808080"/>
+              </a:buClr>
+            </a:pPr>
+            <a:endParaRPr lang="pt-BR" sz="2000" spc="-1" dirty="0">
+              <a:solidFill>
+                <a:srgbClr val="000000"/>
+              </a:solidFill>
+              <a:uFill>
+                <a:solidFill>
+                  <a:srgbClr val="FFFFFF"/>
+                </a:solidFill>
+              </a:uFill>
+              <a:latin typeface="Arial"/>
+            </a:endParaRPr>
+          </a:p>
+          <a:p>
+            <a:pPr marL="2160">
+              <a:lnSpc>
+                <a:spcPct val="90000"/>
+              </a:lnSpc>
+              <a:buClr>
+                <a:srgbClr val="808080"/>
+              </a:buClr>
+            </a:pPr>
+            <a:r>
+              <a:rPr lang="pt-BR" sz="2000" spc="-1" dirty="0">
+                <a:solidFill>
+                  <a:srgbClr val="000000"/>
+                </a:solidFill>
+                <a:uFill>
+                  <a:solidFill>
+                    <a:srgbClr val="FFFFFF"/>
+                  </a:solidFill>
+                </a:uFill>
+                <a:latin typeface="Arial"/>
+              </a:rPr>
+              <a:t>(C:\</a:t>
+            </a:r>
+            <a:r>
+              <a:rPr lang="pt-BR" sz="2000" spc="-1" dirty="0" err="1">
+                <a:solidFill>
+                  <a:srgbClr val="000000"/>
+                </a:solidFill>
+                <a:uFill>
+                  <a:solidFill>
+                    <a:srgbClr val="FFFFFF"/>
+                  </a:solidFill>
+                </a:uFill>
+                <a:latin typeface="Arial"/>
+              </a:rPr>
+              <a:t>Users</a:t>
+            </a:r>
+            <a:r>
+              <a:rPr lang="pt-BR" sz="2000" spc="-1" dirty="0">
+                <a:solidFill>
+                  <a:srgbClr val="000000"/>
+                </a:solidFill>
+                <a:uFill>
+                  <a:solidFill>
+                    <a:srgbClr val="FFFFFF"/>
+                  </a:solidFill>
+                </a:uFill>
+                <a:latin typeface="Arial"/>
+              </a:rPr>
+              <a:t>\</a:t>
+            </a:r>
+            <a:r>
+              <a:rPr lang="pt-BR" sz="2000" spc="-1" dirty="0" err="1">
+                <a:solidFill>
+                  <a:srgbClr val="000000"/>
+                </a:solidFill>
+                <a:uFill>
+                  <a:solidFill>
+                    <a:srgbClr val="FFFFFF"/>
+                  </a:solidFill>
+                </a:uFill>
+                <a:latin typeface="Arial"/>
+              </a:rPr>
+              <a:t>rgyunogu</a:t>
+            </a:r>
+            <a:r>
+              <a:rPr lang="pt-BR" sz="2000" spc="-1" dirty="0">
+                <a:solidFill>
+                  <a:srgbClr val="000000"/>
+                </a:solidFill>
+                <a:uFill>
+                  <a:solidFill>
+                    <a:srgbClr val="FFFFFF"/>
+                  </a:solidFill>
+                </a:uFill>
+                <a:latin typeface="Arial"/>
+              </a:rPr>
+              <a:t>\</a:t>
+            </a:r>
+            <a:r>
+              <a:rPr lang="pt-BR" sz="2000" spc="-1" dirty="0" err="1">
+                <a:solidFill>
+                  <a:srgbClr val="000000"/>
+                </a:solidFill>
+                <a:uFill>
+                  <a:solidFill>
+                    <a:srgbClr val="FFFFFF"/>
+                  </a:solidFill>
+                </a:uFill>
+                <a:latin typeface="Arial"/>
+              </a:rPr>
+              <a:t>AppData</a:t>
+            </a:r>
+            <a:r>
+              <a:rPr lang="pt-BR" sz="2000" spc="-1" dirty="0">
+                <a:solidFill>
+                  <a:srgbClr val="000000"/>
+                </a:solidFill>
+                <a:uFill>
+                  <a:solidFill>
+                    <a:srgbClr val="FFFFFF"/>
+                  </a:solidFill>
+                </a:uFill>
+                <a:latin typeface="Arial"/>
+              </a:rPr>
+              <a:t>\Local\</a:t>
+            </a:r>
+            <a:r>
+              <a:rPr lang="pt-BR" sz="2000" spc="-1" dirty="0" err="1">
+                <a:solidFill>
+                  <a:srgbClr val="000000"/>
+                </a:solidFill>
+                <a:uFill>
+                  <a:solidFill>
+                    <a:srgbClr val="FFFFFF"/>
+                  </a:solidFill>
+                </a:uFill>
+                <a:latin typeface="Arial"/>
+              </a:rPr>
+              <a:t>Programs</a:t>
+            </a:r>
+            <a:r>
+              <a:rPr lang="pt-BR" sz="2000" spc="-1" dirty="0">
+                <a:solidFill>
+                  <a:srgbClr val="000000"/>
+                </a:solidFill>
+                <a:uFill>
+                  <a:solidFill>
+                    <a:srgbClr val="FFFFFF"/>
+                  </a:solidFill>
+                </a:uFill>
+                <a:latin typeface="Arial"/>
+              </a:rPr>
+              <a:t>\</a:t>
+            </a:r>
+            <a:r>
+              <a:rPr lang="pt-BR" sz="2000" spc="-1" dirty="0" err="1">
+                <a:solidFill>
+                  <a:srgbClr val="000000"/>
+                </a:solidFill>
+                <a:uFill>
+                  <a:solidFill>
+                    <a:srgbClr val="FFFFFF"/>
+                  </a:solidFill>
+                </a:uFill>
+                <a:latin typeface="Arial"/>
+              </a:rPr>
+              <a:t>Git</a:t>
+            </a:r>
+            <a:r>
+              <a:rPr lang="pt-BR" sz="2000" spc="-1" dirty="0">
+                <a:solidFill>
+                  <a:srgbClr val="000000"/>
+                </a:solidFill>
+                <a:uFill>
+                  <a:solidFill>
+                    <a:srgbClr val="FFFFFF"/>
+                  </a:solidFill>
+                </a:uFill>
+                <a:latin typeface="Arial"/>
+              </a:rPr>
+              <a:t>\mingw64\</a:t>
+            </a:r>
+            <a:r>
+              <a:rPr lang="pt-BR" sz="2000" spc="-1" dirty="0" err="1">
+                <a:solidFill>
+                  <a:srgbClr val="000000"/>
+                </a:solidFill>
+                <a:uFill>
+                  <a:solidFill>
+                    <a:srgbClr val="FFFFFF"/>
+                  </a:solidFill>
+                </a:uFill>
+                <a:latin typeface="Arial"/>
+              </a:rPr>
+              <a:t>etc</a:t>
+            </a:r>
+            <a:r>
+              <a:rPr lang="pt-BR" sz="2000" spc="-1" dirty="0">
+                <a:solidFill>
+                  <a:srgbClr val="000000"/>
+                </a:solidFill>
+                <a:uFill>
+                  <a:solidFill>
+                    <a:srgbClr val="FFFFFF"/>
+                  </a:solidFill>
+                </a:uFill>
+                <a:latin typeface="Arial"/>
+              </a:rPr>
+              <a:t>)</a:t>
+            </a:r>
+            <a:endParaRPr lang="pt-BR" sz="2000" spc="-1" dirty="0" smtClean="0">
+              <a:solidFill>
+                <a:srgbClr val="000000"/>
+              </a:solidFill>
+              <a:uFill>
+                <a:solidFill>
+                  <a:srgbClr val="FFFFFF"/>
+                </a:solidFill>
+              </a:uFill>
+              <a:latin typeface="Arial"/>
+            </a:endParaRPr>
           </a:p>
           <a:p>
             <a:pPr marL="2160">
@@ -10051,7 +11348,7 @@
               </a:lnSpc>
             </a:pPr>
             <a:r>
-              <a:rPr lang="pt-BR" sz="3200" b="1" spc="-1" dirty="0" err="1" smtClean="0">
+              <a:rPr lang="pt-BR" sz="3200" b="1" spc="-1" dirty="0" smtClean="0">
                 <a:uFill>
                   <a:solidFill>
                     <a:srgbClr val="FFFFFF"/>
@@ -10060,19 +11357,7 @@
                 <a:latin typeface="Arial" panose="020B0604020202020204" pitchFamily="34" charset="0"/>
                 <a:cs typeface="Arial" panose="020B0604020202020204" pitchFamily="34" charset="0"/>
               </a:rPr>
-              <a:t>git</a:t>
-            </a:r>
-            <a:r>
-              <a:rPr lang="pt-BR" sz="3200" b="1" spc="-1" dirty="0" smtClean="0">
-                <a:uFill>
-                  <a:solidFill>
-                    <a:srgbClr val="FFFFFF"/>
-                  </a:solidFill>
-                </a:uFill>
-                <a:latin typeface="Arial" panose="020B0604020202020204" pitchFamily="34" charset="0"/>
-                <a:cs typeface="Arial" panose="020B0604020202020204" pitchFamily="34" charset="0"/>
-              </a:rPr>
-              <a:t> merge</a:t>
+              <a:t>Configurações</a:t>
             </a:r>
             <a:endParaRPr lang="pt-BR" sz="1800" b="1" strike="noStrike" spc="-1" dirty="0">
               <a:uFill>
@@ -10155,7 +11440,122 @@
                 </a:uFill>
                 <a:latin typeface="Arial"/>
               </a:rPr>
-              <a:t> merge </a:t>
+              <a:t> </a:t>
+            </a:r>
+            <a:r>
+              <a:rPr lang="pt-BR" sz="2000" b="0" strike="noStrike" spc="-1" dirty="0" err="1" smtClean="0">
+                <a:solidFill>
+                  <a:srgbClr val="000000"/>
+                </a:solidFill>
+                <a:uFill>
+                  <a:solidFill>
+                    <a:srgbClr val="FFFFFF"/>
+                  </a:solidFill>
+                </a:uFill>
+                <a:latin typeface="Arial"/>
+              </a:rPr>
+              <a:t>config</a:t>
+            </a:r>
+            <a:r>
+              <a:rPr lang="pt-BR" sz="2000" b="0" strike="noStrike" spc="-1" dirty="0" smtClean="0">
+                <a:solidFill>
+                  <a:srgbClr val="000000"/>
+                </a:solidFill>
+                <a:uFill>
+                  <a:solidFill>
+                    <a:srgbClr val="FFFFFF"/>
+                  </a:solidFill>
+                </a:uFill>
+                <a:latin typeface="Arial"/>
+              </a:rPr>
+              <a:t> --global </a:t>
+            </a:r>
+            <a:r>
+              <a:rPr lang="pt-BR" sz="2000" b="0" strike="noStrike" spc="-1" dirty="0" err="1" smtClean="0">
+                <a:solidFill>
+                  <a:srgbClr val="000000"/>
+                </a:solidFill>
+                <a:uFill>
+                  <a:solidFill>
+                    <a:srgbClr val="FFFFFF"/>
+                  </a:solidFill>
+                </a:uFill>
+                <a:latin typeface="Arial"/>
+              </a:rPr>
+              <a:t>core.editor</a:t>
+            </a:r>
+            <a:r>
+              <a:rPr lang="pt-BR" sz="2000" b="0" strike="noStrike" spc="-1" dirty="0" smtClean="0">
+                <a:solidFill>
+                  <a:srgbClr val="000000"/>
+                </a:solidFill>
+                <a:uFill>
+                  <a:solidFill>
+                    <a:srgbClr val="FFFFFF"/>
+                  </a:solidFill>
+                </a:uFill>
+                <a:latin typeface="Arial"/>
+              </a:rPr>
+              <a:t> &lt;editor&gt;</a:t>
+            </a:r>
+          </a:p>
+          <a:p>
+            <a:pPr marL="2160">
+              <a:lnSpc>
+                <a:spcPct val="90000"/>
+              </a:lnSpc>
+              <a:buClr>
+                <a:srgbClr val="808080"/>
+              </a:buClr>
+            </a:pPr>
+            <a:endParaRPr lang="pt-BR" sz="2000" spc="-1" dirty="0">
+              <a:solidFill>
+                <a:srgbClr val="000000"/>
+              </a:solidFill>
+              <a:uFill>
+                <a:solidFill>
+                  <a:srgbClr val="FFFFFF"/>
+                </a:solidFill>
+              </a:uFill>
+              <a:latin typeface="Arial"/>
+            </a:endParaRPr>
+          </a:p>
+          <a:p>
+            <a:pPr marL="2160">
+              <a:lnSpc>
+                <a:spcPct val="90000"/>
+              </a:lnSpc>
+              <a:buClr>
+                <a:srgbClr val="808080"/>
+              </a:buClr>
+            </a:pPr>
+            <a:r>
+              <a:rPr lang="pt-BR" sz="2000" spc="-1" dirty="0" err="1">
+                <a:solidFill>
+                  <a:srgbClr val="000000"/>
+                </a:solidFill>
+                <a:uFill>
+                  <a:solidFill>
+                    <a:srgbClr val="FFFFFF"/>
+                  </a:solidFill>
+                </a:uFill>
+                <a:latin typeface="Arial"/>
+              </a:rPr>
+              <a:t>g</a:t>
+            </a:r>
+            <a:r>
+              <a:rPr lang="pt-BR" sz="2000" spc="-1" dirty="0" err="1" smtClean="0">
+                <a:solidFill>
+                  <a:srgbClr val="000000"/>
+                </a:solidFill>
+                <a:uFill>
+                  <a:solidFill>
+                    <a:srgbClr val="FFFFFF"/>
+                  </a:solidFill>
+                </a:uFill>
+                <a:latin typeface="Arial"/>
+              </a:rPr>
+              <a:t>it</a:t>
             </a:r>
             <a:r>
               <a:rPr lang="pt-BR" sz="2000" spc="-1" dirty="0" smtClean="0">
@@ -10169,7 +11569,7 @@
                 </a:uFill>
                 <a:latin typeface="Arial"/>
               </a:rPr>
-              <a:t>&lt;</a:t>
+              <a:t> </a:t>
             </a:r>
             <a:r>
               <a:rPr lang="pt-BR" sz="2000" spc="-1" dirty="0" err="1" smtClean="0">
@@ -10183,7 +11583,7 @@
                 </a:uFill>
                 <a:latin typeface="Arial"/>
               </a:rPr>
-              <a:t>branch</a:t>
+              <a:t>config</a:t>
             </a:r>
             <a:r>
               <a:rPr lang="pt-BR" sz="2000" spc="-1" dirty="0" smtClean="0">
@@ -10197,8 +11597,790 @@
                 </a:uFill>
                 <a:latin typeface="Arial"/>
               </a:rPr>
-              <a:t>&gt;</a:t>
-            </a:r>
+              <a:t> --global </a:t>
+            </a:r>
+            <a:r>
+              <a:rPr lang="pt-BR" sz="2000" spc="-1" dirty="0" err="1" smtClean="0">
+                <a:solidFill>
+                  <a:srgbClr val="000000"/>
+                </a:solidFill>
+                <a:uFill>
+                  <a:solidFill>
+                    <a:srgbClr val="FFFFFF"/>
+                  </a:solidFill>
+                </a:uFill>
+                <a:latin typeface="Arial"/>
+              </a:rPr>
+              <a:t>commit.template</a:t>
+            </a:r>
+            <a:r>
+              <a:rPr lang="pt-BR" sz="2000" spc="-1" dirty="0" smtClean="0">
+                <a:solidFill>
+                  <a:srgbClr val="000000"/>
+                </a:solidFill>
+                <a:uFill>
+                  <a:solidFill>
+                    <a:srgbClr val="FFFFFF"/>
+                  </a:solidFill>
+                </a:uFill>
+                <a:latin typeface="Arial"/>
+              </a:rPr>
+              <a:t> &lt;arquivo&gt;</a:t>
+            </a:r>
+          </a:p>
+          <a:p>
+            <a:pPr marL="2160">
+              <a:lnSpc>
+                <a:spcPct val="90000"/>
+              </a:lnSpc>
+              <a:buClr>
+                <a:srgbClr val="808080"/>
+              </a:buClr>
+            </a:pPr>
+            <a:r>
+              <a:rPr lang="pt-BR" sz="2000" spc="-1" dirty="0" smtClean="0">
+                <a:solidFill>
+                  <a:srgbClr val="000000"/>
+                </a:solidFill>
+                <a:uFill>
+                  <a:solidFill>
+                    <a:srgbClr val="FFFFFF"/>
+                  </a:solidFill>
+                </a:uFill>
+                <a:latin typeface="Arial"/>
+              </a:rPr>
+              <a:t>  </a:t>
+            </a:r>
+            <a:endParaRPr lang="pt-BR" sz="2000" spc="-1" dirty="0" smtClean="0">
+              <a:solidFill>
+                <a:srgbClr val="000000"/>
+              </a:solidFill>
+              <a:uFill>
+                <a:solidFill>
+                  <a:srgbClr val="FFFFFF"/>
+                </a:solidFill>
+              </a:uFill>
+              <a:latin typeface="Arial"/>
+            </a:endParaRPr>
+          </a:p>
+          <a:p>
+            <a:pPr marL="2160">
+              <a:lnSpc>
+                <a:spcPct val="90000"/>
+              </a:lnSpc>
+              <a:buClr>
+                <a:srgbClr val="808080"/>
+              </a:buClr>
+            </a:pPr>
+            <a:r>
+              <a:rPr lang="pt-BR" sz="2000" spc="-1" dirty="0" err="1">
+                <a:solidFill>
+                  <a:srgbClr val="000000"/>
+                </a:solidFill>
+                <a:uFill>
+                  <a:solidFill>
+                    <a:srgbClr val="FFFFFF"/>
+                  </a:solidFill>
+                </a:uFill>
+                <a:latin typeface="Arial"/>
+              </a:rPr>
+              <a:t>git</a:t>
+            </a:r>
+            <a:r>
+              <a:rPr lang="pt-BR" sz="2000" spc="-1" dirty="0">
+                <a:solidFill>
+                  <a:srgbClr val="000000"/>
+                </a:solidFill>
+                <a:uFill>
+                  <a:solidFill>
+                    <a:srgbClr val="FFFFFF"/>
+                  </a:solidFill>
+                </a:uFill>
+                <a:latin typeface="Arial"/>
+              </a:rPr>
+              <a:t> </a:t>
+            </a:r>
+            <a:r>
+              <a:rPr lang="pt-BR" sz="2000" spc="-1" dirty="0" err="1">
+                <a:solidFill>
+                  <a:srgbClr val="000000"/>
+                </a:solidFill>
+                <a:uFill>
+                  <a:solidFill>
+                    <a:srgbClr val="FFFFFF"/>
+                  </a:solidFill>
+                </a:uFill>
+                <a:latin typeface="Arial"/>
+              </a:rPr>
+              <a:t>config</a:t>
+            </a:r>
+            <a:r>
+              <a:rPr lang="pt-BR" sz="2000" spc="-1" dirty="0">
+                <a:solidFill>
+                  <a:srgbClr val="000000"/>
+                </a:solidFill>
+                <a:uFill>
+                  <a:solidFill>
+                    <a:srgbClr val="FFFFFF"/>
+                  </a:solidFill>
+                </a:uFill>
+                <a:latin typeface="Arial"/>
+              </a:rPr>
+              <a:t> </a:t>
+            </a:r>
+            <a:r>
+              <a:rPr lang="pt-BR" sz="2000" spc="-1" dirty="0" smtClean="0">
+                <a:solidFill>
+                  <a:srgbClr val="000000"/>
+                </a:solidFill>
+                <a:uFill>
+                  <a:solidFill>
+                    <a:srgbClr val="FFFFFF"/>
+                  </a:solidFill>
+                </a:uFill>
+                <a:latin typeface="Arial"/>
+              </a:rPr>
+              <a:t>–global </a:t>
+            </a:r>
+            <a:r>
+              <a:rPr lang="pt-BR" sz="2000" spc="-1" dirty="0" err="1" smtClean="0">
+                <a:solidFill>
+                  <a:srgbClr val="000000"/>
+                </a:solidFill>
+                <a:uFill>
+                  <a:solidFill>
+                    <a:srgbClr val="FFFFFF"/>
+                  </a:solidFill>
+                </a:uFill>
+                <a:latin typeface="Arial"/>
+              </a:rPr>
+              <a:t>core.excludefile</a:t>
+            </a:r>
+            <a:r>
+              <a:rPr lang="pt-BR" sz="2000" spc="-1" dirty="0" smtClean="0">
+                <a:solidFill>
+                  <a:srgbClr val="000000"/>
+                </a:solidFill>
+                <a:uFill>
+                  <a:solidFill>
+                    <a:srgbClr val="FFFFFF"/>
+                  </a:solidFill>
+                </a:uFill>
+                <a:latin typeface="Arial"/>
+              </a:rPr>
+              <a:t> &lt;arquivo&gt;</a:t>
+            </a:r>
+          </a:p>
+          <a:p>
+            <a:pPr marL="2160">
+              <a:lnSpc>
+                <a:spcPct val="90000"/>
+              </a:lnSpc>
+              <a:buClr>
+                <a:srgbClr val="808080"/>
+              </a:buClr>
+            </a:pPr>
+            <a:endParaRPr lang="pt-BR" sz="2000" b="0" strike="noStrike" spc="-1" dirty="0">
+              <a:solidFill>
+                <a:srgbClr val="000000"/>
+              </a:solidFill>
+              <a:uFill>
+                <a:solidFill>
+                  <a:srgbClr val="FFFFFF"/>
+                </a:solidFill>
+              </a:uFill>
+              <a:latin typeface="Arial"/>
+            </a:endParaRPr>
+          </a:p>
+          <a:p>
+            <a:pPr marL="2160">
+              <a:lnSpc>
+                <a:spcPct val="90000"/>
+              </a:lnSpc>
+              <a:buClr>
+                <a:srgbClr val="808080"/>
+              </a:buClr>
+            </a:pPr>
+            <a:r>
+              <a:rPr lang="pt-BR" sz="2000" spc="-1" dirty="0" err="1">
+                <a:solidFill>
+                  <a:srgbClr val="000000"/>
+                </a:solidFill>
+                <a:uFill>
+                  <a:solidFill>
+                    <a:srgbClr val="FFFFFF"/>
+                  </a:solidFill>
+                </a:uFill>
+                <a:latin typeface="Arial"/>
+              </a:rPr>
+              <a:t>git</a:t>
+            </a:r>
+            <a:r>
+              <a:rPr lang="pt-BR" sz="2000" spc="-1" dirty="0">
+                <a:solidFill>
+                  <a:srgbClr val="000000"/>
+                </a:solidFill>
+                <a:uFill>
+                  <a:solidFill>
+                    <a:srgbClr val="FFFFFF"/>
+                  </a:solidFill>
+                </a:uFill>
+                <a:latin typeface="Arial"/>
+              </a:rPr>
+              <a:t> </a:t>
+            </a:r>
+            <a:r>
+              <a:rPr lang="pt-BR" sz="2000" spc="-1" dirty="0" err="1">
+                <a:solidFill>
+                  <a:srgbClr val="000000"/>
+                </a:solidFill>
+                <a:uFill>
+                  <a:solidFill>
+                    <a:srgbClr val="FFFFFF"/>
+                  </a:solidFill>
+                </a:uFill>
+                <a:latin typeface="Arial"/>
+              </a:rPr>
+              <a:t>config</a:t>
+            </a:r>
+            <a:r>
+              <a:rPr lang="pt-BR" sz="2000" spc="-1" dirty="0">
+                <a:solidFill>
+                  <a:srgbClr val="000000"/>
+                </a:solidFill>
+                <a:uFill>
+                  <a:solidFill>
+                    <a:srgbClr val="FFFFFF"/>
+                  </a:solidFill>
+                </a:uFill>
+                <a:latin typeface="Arial"/>
+              </a:rPr>
+              <a:t> </a:t>
+            </a:r>
+            <a:r>
+              <a:rPr lang="pt-BR" sz="2000" spc="-1" dirty="0" smtClean="0">
+                <a:solidFill>
+                  <a:srgbClr val="000000"/>
+                </a:solidFill>
+                <a:uFill>
+                  <a:solidFill>
+                    <a:srgbClr val="FFFFFF"/>
+                  </a:solidFill>
+                </a:uFill>
+                <a:latin typeface="Arial"/>
+              </a:rPr>
+              <a:t>–global </a:t>
+            </a:r>
+            <a:r>
+              <a:rPr lang="pt-BR" sz="2000" spc="-1" dirty="0" err="1" smtClean="0">
+                <a:solidFill>
+                  <a:srgbClr val="000000"/>
+                </a:solidFill>
+                <a:uFill>
+                  <a:solidFill>
+                    <a:srgbClr val="FFFFFF"/>
+                  </a:solidFill>
+                </a:uFill>
+                <a:latin typeface="Arial"/>
+              </a:rPr>
+              <a:t>help.autocorrect</a:t>
+            </a:r>
+            <a:r>
+              <a:rPr lang="pt-BR" sz="2000" spc="-1" dirty="0" smtClean="0">
+                <a:solidFill>
+                  <a:srgbClr val="000000"/>
+                </a:solidFill>
+                <a:uFill>
+                  <a:solidFill>
+                    <a:srgbClr val="FFFFFF"/>
+                  </a:solidFill>
+                </a:uFill>
+                <a:latin typeface="Arial"/>
+              </a:rPr>
+              <a:t> &lt;segundos&gt;</a:t>
+            </a:r>
+          </a:p>
+          <a:p>
+            <a:pPr marL="2160">
+              <a:lnSpc>
+                <a:spcPct val="90000"/>
+              </a:lnSpc>
+              <a:buClr>
+                <a:srgbClr val="808080"/>
+              </a:buClr>
+            </a:pPr>
+            <a:endParaRPr lang="pt-BR" sz="2000" b="0" strike="noStrike" spc="-1" dirty="0">
+              <a:solidFill>
+                <a:srgbClr val="000000"/>
+              </a:solidFill>
+              <a:uFill>
+                <a:solidFill>
+                  <a:srgbClr val="FFFFFF"/>
+                </a:solidFill>
+              </a:uFill>
+              <a:latin typeface="Arial"/>
+            </a:endParaRPr>
+          </a:p>
+          <a:p>
+            <a:pPr marL="2160">
+              <a:lnSpc>
+                <a:spcPct val="90000"/>
+              </a:lnSpc>
+              <a:buClr>
+                <a:srgbClr val="808080"/>
+              </a:buClr>
+            </a:pPr>
+            <a:r>
+              <a:rPr lang="pt-BR" sz="2000" spc="-1" dirty="0" err="1">
+                <a:solidFill>
+                  <a:srgbClr val="000000"/>
+                </a:solidFill>
+                <a:uFill>
+                  <a:solidFill>
+                    <a:srgbClr val="FFFFFF"/>
+                  </a:solidFill>
+                </a:uFill>
+                <a:latin typeface="Arial"/>
+              </a:rPr>
+              <a:t>git</a:t>
+            </a:r>
+            <a:r>
+              <a:rPr lang="pt-BR" sz="2000" spc="-1" dirty="0">
+                <a:solidFill>
+                  <a:srgbClr val="000000"/>
+                </a:solidFill>
+                <a:uFill>
+                  <a:solidFill>
+                    <a:srgbClr val="FFFFFF"/>
+                  </a:solidFill>
+                </a:uFill>
+                <a:latin typeface="Arial"/>
+              </a:rPr>
+              <a:t> </a:t>
+            </a:r>
+            <a:r>
+              <a:rPr lang="pt-BR" sz="2000" spc="-1" dirty="0" err="1">
+                <a:solidFill>
+                  <a:srgbClr val="000000"/>
+                </a:solidFill>
+                <a:uFill>
+                  <a:solidFill>
+                    <a:srgbClr val="FFFFFF"/>
+                  </a:solidFill>
+                </a:uFill>
+                <a:latin typeface="Arial"/>
+              </a:rPr>
+              <a:t>config</a:t>
+            </a:r>
+            <a:r>
+              <a:rPr lang="pt-BR" sz="2000" spc="-1" dirty="0">
+                <a:solidFill>
+                  <a:srgbClr val="000000"/>
+                </a:solidFill>
+                <a:uFill>
+                  <a:solidFill>
+                    <a:srgbClr val="FFFFFF"/>
+                  </a:solidFill>
+                </a:uFill>
+                <a:latin typeface="Arial"/>
+              </a:rPr>
+              <a:t> </a:t>
+            </a:r>
+            <a:r>
+              <a:rPr lang="pt-BR" sz="2000" spc="-1" dirty="0" smtClean="0">
+                <a:solidFill>
+                  <a:srgbClr val="000000"/>
+                </a:solidFill>
+                <a:uFill>
+                  <a:solidFill>
+                    <a:srgbClr val="FFFFFF"/>
+                  </a:solidFill>
+                </a:uFill>
+                <a:latin typeface="Arial"/>
+              </a:rPr>
+              <a:t>–global </a:t>
+            </a:r>
+            <a:r>
+              <a:rPr lang="pt-BR" sz="2000" spc="-1" dirty="0" err="1" smtClean="0">
+                <a:solidFill>
+                  <a:srgbClr val="000000"/>
+                </a:solidFill>
+                <a:uFill>
+                  <a:solidFill>
+                    <a:srgbClr val="FFFFFF"/>
+                  </a:solidFill>
+                </a:uFill>
+                <a:latin typeface="Arial"/>
+              </a:rPr>
+              <a:t>color.diff.meta</a:t>
+            </a:r>
+            <a:r>
+              <a:rPr lang="pt-BR" sz="2000" spc="-1" dirty="0" smtClean="0">
+                <a:solidFill>
+                  <a:srgbClr val="000000"/>
+                </a:solidFill>
+                <a:uFill>
+                  <a:solidFill>
+                    <a:srgbClr val="FFFFFF"/>
+                  </a:solidFill>
+                </a:uFill>
+                <a:latin typeface="Arial"/>
+              </a:rPr>
+              <a:t> “blue </a:t>
+            </a:r>
+            <a:r>
+              <a:rPr lang="pt-BR" sz="2000" spc="-1" dirty="0" err="1" smtClean="0">
+                <a:solidFill>
+                  <a:srgbClr val="000000"/>
+                </a:solidFill>
+                <a:uFill>
+                  <a:solidFill>
+                    <a:srgbClr val="FFFFFF"/>
+                  </a:solidFill>
+                </a:uFill>
+                <a:latin typeface="Arial"/>
+              </a:rPr>
+              <a:t>black</a:t>
+            </a:r>
+            <a:r>
+              <a:rPr lang="pt-BR" sz="2000" spc="-1" dirty="0" smtClean="0">
+                <a:solidFill>
+                  <a:srgbClr val="000000"/>
+                </a:solidFill>
+                <a:uFill>
+                  <a:solidFill>
+                    <a:srgbClr val="FFFFFF"/>
+                  </a:solidFill>
+                </a:uFill>
+                <a:latin typeface="Arial"/>
+              </a:rPr>
+              <a:t> </a:t>
+            </a:r>
+            <a:r>
+              <a:rPr lang="pt-BR" sz="2000" spc="-1" dirty="0" err="1" smtClean="0">
+                <a:solidFill>
+                  <a:srgbClr val="000000"/>
+                </a:solidFill>
+                <a:uFill>
+                  <a:solidFill>
+                    <a:srgbClr val="FFFFFF"/>
+                  </a:solidFill>
+                </a:uFill>
+                <a:latin typeface="Arial"/>
+              </a:rPr>
+              <a:t>bold</a:t>
+            </a:r>
+            <a:r>
+              <a:rPr lang="pt-BR" sz="2000" spc="-1" dirty="0" smtClean="0">
+                <a:solidFill>
+                  <a:srgbClr val="000000"/>
+                </a:solidFill>
+                <a:uFill>
+                  <a:solidFill>
+                    <a:srgbClr val="FFFFFF"/>
+                  </a:solidFill>
+                </a:uFill>
+                <a:latin typeface="Arial"/>
+              </a:rPr>
+              <a:t>”</a:t>
+            </a:r>
+          </a:p>
+          <a:p>
+            <a:pPr marL="2160">
+              <a:lnSpc>
+                <a:spcPct val="90000"/>
+              </a:lnSpc>
+              <a:buClr>
+                <a:srgbClr val="808080"/>
+              </a:buClr>
+            </a:pPr>
+            <a:r>
+              <a:rPr lang="pt-BR" sz="2000" b="0" strike="noStrike" spc="-1" dirty="0" smtClean="0">
+                <a:solidFill>
+                  <a:srgbClr val="000000"/>
+                </a:solidFill>
+                <a:uFill>
+                  <a:solidFill>
+                    <a:srgbClr val="FFFFFF"/>
+                  </a:solidFill>
+                </a:uFill>
+                <a:latin typeface="Arial"/>
+              </a:rPr>
+              <a:t>(normal, </a:t>
+            </a:r>
+            <a:r>
+              <a:rPr lang="pt-BR" sz="2000" b="0" strike="noStrike" spc="-1" dirty="0" err="1" smtClean="0">
+                <a:solidFill>
+                  <a:srgbClr val="000000"/>
+                </a:solidFill>
+                <a:uFill>
+                  <a:solidFill>
+                    <a:srgbClr val="FFFFFF"/>
+                  </a:solidFill>
+                </a:uFill>
+                <a:latin typeface="Arial"/>
+              </a:rPr>
+              <a:t>black</a:t>
+            </a:r>
+            <a:r>
+              <a:rPr lang="pt-BR" sz="2000" b="0" strike="noStrike" spc="-1" dirty="0" smtClean="0">
+                <a:solidFill>
+                  <a:srgbClr val="000000"/>
+                </a:solidFill>
+                <a:uFill>
+                  <a:solidFill>
+                    <a:srgbClr val="FFFFFF"/>
+                  </a:solidFill>
+                </a:uFill>
+                <a:latin typeface="Arial"/>
+              </a:rPr>
+              <a:t>, </a:t>
+            </a:r>
+            <a:r>
+              <a:rPr lang="pt-BR" sz="2000" b="0" strike="noStrike" spc="-1" dirty="0" err="1" smtClean="0">
+                <a:solidFill>
+                  <a:srgbClr val="000000"/>
+                </a:solidFill>
+                <a:uFill>
+                  <a:solidFill>
+                    <a:srgbClr val="FFFFFF"/>
+                  </a:solidFill>
+                </a:uFill>
+                <a:latin typeface="Arial"/>
+              </a:rPr>
+              <a:t>red</a:t>
+            </a:r>
+            <a:r>
+              <a:rPr lang="pt-BR" sz="2000" b="0" strike="noStrike" spc="-1" dirty="0" smtClean="0">
+                <a:solidFill>
+                  <a:srgbClr val="000000"/>
+                </a:solidFill>
+                <a:uFill>
+                  <a:solidFill>
+                    <a:srgbClr val="FFFFFF"/>
+                  </a:solidFill>
+                </a:uFill>
+                <a:latin typeface="Arial"/>
+              </a:rPr>
+              <a:t>, </a:t>
+            </a:r>
+            <a:r>
+              <a:rPr lang="pt-BR" sz="2000" b="0" strike="noStrike" spc="-1" dirty="0" err="1" smtClean="0">
+                <a:solidFill>
+                  <a:srgbClr val="000000"/>
+                </a:solidFill>
+                <a:uFill>
+                  <a:solidFill>
+                    <a:srgbClr val="FFFFFF"/>
+                  </a:solidFill>
+                </a:uFill>
+                <a:latin typeface="Arial"/>
+              </a:rPr>
+              <a:t>green</a:t>
+            </a:r>
+            <a:r>
+              <a:rPr lang="pt-BR" sz="2000" b="0" strike="noStrike" spc="-1" dirty="0" smtClean="0">
+                <a:solidFill>
+                  <a:srgbClr val="000000"/>
+                </a:solidFill>
+                <a:uFill>
+                  <a:solidFill>
+                    <a:srgbClr val="FFFFFF"/>
+                  </a:solidFill>
+                </a:uFill>
+                <a:latin typeface="Arial"/>
+              </a:rPr>
+              <a:t>, </a:t>
+            </a:r>
+            <a:r>
+              <a:rPr lang="pt-BR" sz="2000" b="0" strike="noStrike" spc="-1" dirty="0" err="1" smtClean="0">
+                <a:solidFill>
+                  <a:srgbClr val="000000"/>
+                </a:solidFill>
+                <a:uFill>
+                  <a:solidFill>
+                    <a:srgbClr val="FFFFFF"/>
+                  </a:solidFill>
+                </a:uFill>
+                <a:latin typeface="Arial"/>
+              </a:rPr>
+              <a:t>yellow</a:t>
+            </a:r>
+            <a:r>
+              <a:rPr lang="pt-BR" sz="2000" b="0" strike="noStrike" spc="-1" dirty="0" smtClean="0">
+                <a:solidFill>
+                  <a:srgbClr val="000000"/>
+                </a:solidFill>
+                <a:uFill>
+                  <a:solidFill>
+                    <a:srgbClr val="FFFFFF"/>
+                  </a:solidFill>
+                </a:uFill>
+                <a:latin typeface="Arial"/>
+              </a:rPr>
+              <a:t>, blue, magenta, </a:t>
+            </a:r>
+            <a:r>
+              <a:rPr lang="pt-BR" sz="2000" b="0" strike="noStrike" spc="-1" dirty="0" err="1" smtClean="0">
+                <a:solidFill>
+                  <a:srgbClr val="000000"/>
+                </a:solidFill>
+                <a:uFill>
+                  <a:solidFill>
+                    <a:srgbClr val="FFFFFF"/>
+                  </a:solidFill>
+                </a:uFill>
+                <a:latin typeface="Arial"/>
+              </a:rPr>
+              <a:t>cyan</a:t>
+            </a:r>
+            <a:r>
+              <a:rPr lang="pt-BR" sz="2000" b="0" strike="noStrike" spc="-1" dirty="0" smtClean="0">
+                <a:solidFill>
+                  <a:srgbClr val="000000"/>
+                </a:solidFill>
+                <a:uFill>
+                  <a:solidFill>
+                    <a:srgbClr val="FFFFFF"/>
+                  </a:solidFill>
+                </a:uFill>
+                <a:latin typeface="Arial"/>
+              </a:rPr>
+              <a:t>, </a:t>
+            </a:r>
+            <a:r>
+              <a:rPr lang="pt-BR" sz="2000" b="0" strike="noStrike" spc="-1" dirty="0" err="1" smtClean="0">
+                <a:solidFill>
+                  <a:srgbClr val="000000"/>
+                </a:solidFill>
+                <a:uFill>
+                  <a:solidFill>
+                    <a:srgbClr val="FFFFFF"/>
+                  </a:solidFill>
+                </a:uFill>
+                <a:latin typeface="Arial"/>
+              </a:rPr>
+              <a:t>White,bold</a:t>
+            </a:r>
+            <a:r>
+              <a:rPr lang="pt-BR" sz="2000" b="0" strike="noStrike" spc="-1" dirty="0" smtClean="0">
+                <a:solidFill>
+                  <a:srgbClr val="000000"/>
+                </a:solidFill>
+                <a:uFill>
+                  <a:solidFill>
+                    <a:srgbClr val="FFFFFF"/>
+                  </a:solidFill>
+                </a:uFill>
+                <a:latin typeface="Arial"/>
+              </a:rPr>
+              <a:t>, </a:t>
+            </a:r>
+            <a:r>
+              <a:rPr lang="pt-BR" sz="2000" b="0" strike="noStrike" spc="-1" dirty="0" err="1" smtClean="0">
+                <a:solidFill>
+                  <a:srgbClr val="000000"/>
+                </a:solidFill>
+                <a:uFill>
+                  <a:solidFill>
+                    <a:srgbClr val="FFFFFF"/>
+                  </a:solidFill>
+                </a:uFill>
+                <a:latin typeface="Arial"/>
+              </a:rPr>
+              <a:t>dim</a:t>
+            </a:r>
+            <a:r>
+              <a:rPr lang="pt-BR" sz="2000" b="0" strike="noStrike" spc="-1" dirty="0" smtClean="0">
+                <a:solidFill>
+                  <a:srgbClr val="000000"/>
+                </a:solidFill>
+                <a:uFill>
+                  <a:solidFill>
+                    <a:srgbClr val="FFFFFF"/>
+                  </a:solidFill>
+                </a:uFill>
+                <a:latin typeface="Arial"/>
+              </a:rPr>
+              <a:t>, </a:t>
+            </a:r>
+            <a:r>
+              <a:rPr lang="pt-BR" sz="2000" b="0" strike="noStrike" spc="-1" dirty="0" err="1" smtClean="0">
+                <a:solidFill>
+                  <a:srgbClr val="000000"/>
+                </a:solidFill>
+                <a:uFill>
+                  <a:solidFill>
+                    <a:srgbClr val="FFFFFF"/>
+                  </a:solidFill>
+                </a:uFill>
+                <a:latin typeface="Arial"/>
+              </a:rPr>
+              <a:t>ul</a:t>
+            </a:r>
+            <a:r>
+              <a:rPr lang="pt-BR" sz="2000" b="0" strike="noStrike" spc="-1" dirty="0" smtClean="0">
+                <a:solidFill>
+                  <a:srgbClr val="000000"/>
+                </a:solidFill>
+                <a:uFill>
+                  <a:solidFill>
+                    <a:srgbClr val="FFFFFF"/>
+                  </a:solidFill>
+                </a:uFill>
+                <a:latin typeface="Arial"/>
+              </a:rPr>
+              <a:t>, </a:t>
+            </a:r>
+            <a:r>
+              <a:rPr lang="pt-BR" sz="2000" b="0" strike="noStrike" spc="-1" dirty="0" err="1" smtClean="0">
+                <a:solidFill>
+                  <a:srgbClr val="000000"/>
+                </a:solidFill>
+                <a:uFill>
+                  <a:solidFill>
+                    <a:srgbClr val="FFFFFF"/>
+                  </a:solidFill>
+                </a:uFill>
+                <a:latin typeface="Arial"/>
+              </a:rPr>
+              <a:t>blink</a:t>
+            </a:r>
+            <a:r>
+              <a:rPr lang="pt-BR" sz="2000" b="0" strike="noStrike" spc="-1" dirty="0" smtClean="0">
+                <a:solidFill>
+                  <a:srgbClr val="000000"/>
+                </a:solidFill>
+                <a:uFill>
+                  <a:solidFill>
+                    <a:srgbClr val="FFFFFF"/>
+                  </a:solidFill>
+                </a:uFill>
+                <a:latin typeface="Arial"/>
+              </a:rPr>
+              <a:t>, reverse)</a:t>
+            </a:r>
+            <a:endParaRPr lang="pt-BR" sz="2000" b="0" strike="noStrike" spc="-1" dirty="0">
+              <a:solidFill>
+                <a:srgbClr val="000000"/>
+              </a:solidFill>
+              <a:uFill>
+                <a:solidFill>
+                  <a:srgbClr val="FFFFFF"/>
+                </a:solidFill>
+              </a:uFill>
+              <a:latin typeface="Arial"/>
+            </a:endParaRPr>
+          </a:p>
+          <a:p>
+            <a:pPr marL="2160">
+              <a:lnSpc>
+                <a:spcPct val="90000"/>
+              </a:lnSpc>
+              <a:buClr>
+                <a:srgbClr val="808080"/>
+              </a:buClr>
+            </a:pPr>
             <a:endParaRPr lang="pt-BR" sz="2000" b="0" strike="noStrike" spc="-1" dirty="0" smtClean="0">
               <a:solidFill>
                 <a:srgbClr val="000000"/>
@@ -10211,771 +12393,12 @@
               <a:latin typeface="Arial"/>
             </a:endParaRPr>
           </a:p>
-          <a:p>
-            <a:pPr marL="2160">
-              <a:lnSpc>
-                <a:spcPct val="90000"/>
-              </a:lnSpc>
-              <a:buClr>
-                <a:srgbClr val="808080"/>
-              </a:buClr>
-            </a:pPr>
-            <a:endParaRPr lang="pt-BR" sz="2000" spc="-1" dirty="0">
-              <a:solidFill>
-                <a:srgbClr val="000000"/>
-              </a:solidFill>
-              <a:uFill>
-                <a:solidFill>
-                  <a:srgbClr val="FFFFFF"/>
-                </a:solidFill>
-              </a:uFill>
-              <a:latin typeface="Arial"/>
-            </a:endParaRPr>
-          </a:p>
-          <a:p>
-            <a:pPr marL="2160">
-              <a:lnSpc>
-                <a:spcPct val="90000"/>
-              </a:lnSpc>
-              <a:buClr>
-                <a:srgbClr val="808080"/>
-              </a:buClr>
-            </a:pPr>
-            <a:r>
-              <a:rPr lang="pt-BR" sz="2000" spc="-1" dirty="0" err="1">
-                <a:solidFill>
-                  <a:srgbClr val="000000"/>
-                </a:solidFill>
-                <a:uFill>
-                  <a:solidFill>
-                    <a:srgbClr val="FFFFFF"/>
-                  </a:solidFill>
-                </a:uFill>
-                <a:latin typeface="Arial"/>
-              </a:rPr>
-              <a:t>git</a:t>
-            </a:r>
-            <a:r>
-              <a:rPr lang="pt-BR" sz="2000" spc="-1" dirty="0">
-                <a:solidFill>
-                  <a:srgbClr val="000000"/>
-                </a:solidFill>
-                <a:uFill>
-                  <a:solidFill>
-                    <a:srgbClr val="FFFFFF"/>
-                  </a:solidFill>
-                </a:uFill>
-                <a:latin typeface="Arial"/>
-              </a:rPr>
-              <a:t> merge &lt;</a:t>
-            </a:r>
-            <a:r>
-              <a:rPr lang="pt-BR" sz="2000" spc="-1" dirty="0" err="1">
-                <a:solidFill>
-                  <a:srgbClr val="000000"/>
-                </a:solidFill>
-                <a:uFill>
-                  <a:solidFill>
-                    <a:srgbClr val="FFFFFF"/>
-                  </a:solidFill>
-                </a:uFill>
-                <a:latin typeface="Arial"/>
-              </a:rPr>
-              <a:t>branch</a:t>
-            </a:r>
-            <a:r>
-              <a:rPr lang="pt-BR" sz="2000" spc="-1" dirty="0">
-                <a:solidFill>
-                  <a:srgbClr val="000000"/>
-                </a:solidFill>
-                <a:uFill>
-                  <a:solidFill>
-                    <a:srgbClr val="FFFFFF"/>
-                  </a:solidFill>
-                </a:uFill>
-                <a:latin typeface="Arial"/>
-              </a:rPr>
-              <a:t>&gt; </a:t>
-            </a:r>
-            <a:r>
-              <a:rPr lang="pt-BR" sz="2000" spc="-1" dirty="0" smtClean="0">
-                <a:solidFill>
-                  <a:srgbClr val="000000"/>
-                </a:solidFill>
-                <a:uFill>
-                  <a:solidFill>
-                    <a:srgbClr val="FFFFFF"/>
-                  </a:solidFill>
-                </a:uFill>
-                <a:latin typeface="Arial"/>
-              </a:rPr>
-              <a:t>-</a:t>
-            </a:r>
-            <a:r>
-              <a:rPr lang="pt-BR" sz="2000" spc="-1" dirty="0" err="1" smtClean="0">
-                <a:solidFill>
-                  <a:srgbClr val="000000"/>
-                </a:solidFill>
-                <a:uFill>
-                  <a:solidFill>
-                    <a:srgbClr val="FFFFFF"/>
-                  </a:solidFill>
-                </a:uFill>
-                <a:latin typeface="Arial"/>
-              </a:rPr>
-              <a:t>Xignore-space-change</a:t>
-            </a:r>
-            <a:endParaRPr lang="pt-BR" sz="2000" spc="-1" dirty="0" smtClean="0">
-              <a:solidFill>
-                <a:srgbClr val="000000"/>
-              </a:solidFill>
-              <a:uFill>
-                <a:solidFill>
-                  <a:srgbClr val="FFFFFF"/>
-                </a:solidFill>
-              </a:uFill>
-              <a:latin typeface="Arial"/>
-            </a:endParaRPr>
-          </a:p>
-          <a:p>
-            <a:pPr marL="2160">
-              <a:lnSpc>
-                <a:spcPct val="90000"/>
-              </a:lnSpc>
-              <a:buClr>
-                <a:srgbClr val="808080"/>
-              </a:buClr>
-            </a:pPr>
-            <a:endParaRPr lang="pt-BR" sz="2000" b="0" strike="noStrike" spc="-1" dirty="0">
-              <a:solidFill>
-                <a:srgbClr val="000000"/>
-              </a:solidFill>
-              <a:uFill>
-                <a:solidFill>
-                  <a:srgbClr val="FFFFFF"/>
-                </a:solidFill>
-              </a:uFill>
-              <a:latin typeface="Arial"/>
-            </a:endParaRPr>
-          </a:p>
-          <a:p>
-            <a:pPr marL="2160">
-              <a:lnSpc>
-                <a:spcPct val="90000"/>
-              </a:lnSpc>
-              <a:buClr>
-                <a:srgbClr val="808080"/>
-              </a:buClr>
-            </a:pPr>
-            <a:r>
-              <a:rPr lang="pt-BR" sz="2000" spc="-1" dirty="0" err="1">
-                <a:solidFill>
-                  <a:srgbClr val="000000"/>
-                </a:solidFill>
-                <a:uFill>
-                  <a:solidFill>
-                    <a:srgbClr val="FFFFFF"/>
-                  </a:solidFill>
-                </a:uFill>
-                <a:latin typeface="Arial"/>
-              </a:rPr>
-              <a:t>git</a:t>
-            </a:r>
-            <a:r>
-              <a:rPr lang="pt-BR" sz="2000" spc="-1" dirty="0">
-                <a:solidFill>
-                  <a:srgbClr val="000000"/>
-                </a:solidFill>
-                <a:uFill>
-                  <a:solidFill>
-                    <a:srgbClr val="FFFFFF"/>
-                  </a:solidFill>
-                </a:uFill>
-                <a:latin typeface="Arial"/>
-              </a:rPr>
-              <a:t> merge &lt;</a:t>
-            </a:r>
-            <a:r>
-              <a:rPr lang="pt-BR" sz="2000" spc="-1" dirty="0" err="1">
-                <a:solidFill>
-                  <a:srgbClr val="000000"/>
-                </a:solidFill>
-                <a:uFill>
-                  <a:solidFill>
-                    <a:srgbClr val="FFFFFF"/>
-                  </a:solidFill>
-                </a:uFill>
-                <a:latin typeface="Arial"/>
-              </a:rPr>
-              <a:t>branch</a:t>
-            </a:r>
-            <a:r>
-              <a:rPr lang="pt-BR" sz="2000" spc="-1" dirty="0">
-                <a:solidFill>
-                  <a:srgbClr val="000000"/>
-                </a:solidFill>
-                <a:uFill>
-                  <a:solidFill>
-                    <a:srgbClr val="FFFFFF"/>
-                  </a:solidFill>
-                </a:uFill>
-                <a:latin typeface="Arial"/>
-              </a:rPr>
-              <a:t>&gt; </a:t>
-            </a:r>
-            <a:r>
-              <a:rPr lang="pt-BR" sz="2000" spc="-1" dirty="0" smtClean="0">
-                <a:solidFill>
-                  <a:srgbClr val="000000"/>
-                </a:solidFill>
-                <a:uFill>
-                  <a:solidFill>
-                    <a:srgbClr val="FFFFFF"/>
-                  </a:solidFill>
-                </a:uFill>
-                <a:latin typeface="Arial"/>
-              </a:rPr>
-              <a:t>-</a:t>
-            </a:r>
-            <a:r>
-              <a:rPr lang="pt-BR" sz="2000" spc="-1" dirty="0" err="1" smtClean="0">
-                <a:solidFill>
-                  <a:srgbClr val="000000"/>
-                </a:solidFill>
-                <a:uFill>
-                  <a:solidFill>
-                    <a:srgbClr val="FFFFFF"/>
-                  </a:solidFill>
-                </a:uFill>
-                <a:latin typeface="Arial"/>
-              </a:rPr>
-              <a:t>Xignore-all-space</a:t>
-            </a:r>
-            <a:endParaRPr lang="pt-BR" sz="2000" spc="-1" dirty="0" smtClean="0">
-              <a:solidFill>
-                <a:srgbClr val="000000"/>
-              </a:solidFill>
-              <a:uFill>
-                <a:solidFill>
-                  <a:srgbClr val="FFFFFF"/>
-                </a:solidFill>
-              </a:uFill>
-              <a:latin typeface="Arial"/>
-            </a:endParaRPr>
-          </a:p>
-          <a:p>
-            <a:pPr marL="2160">
-              <a:lnSpc>
-                <a:spcPct val="90000"/>
-              </a:lnSpc>
-              <a:buClr>
-                <a:srgbClr val="808080"/>
-              </a:buClr>
-            </a:pPr>
-            <a:endParaRPr lang="pt-BR" sz="2000" b="0" strike="noStrike" spc="-1" dirty="0" smtClean="0">
-              <a:solidFill>
-                <a:srgbClr val="000000"/>
-              </a:solidFill>
-              <a:uFill>
-                <a:solidFill>
-                  <a:srgbClr val="FFFFFF"/>
-                </a:solidFill>
-              </a:uFill>
-              <a:latin typeface="Arial"/>
-            </a:endParaRPr>
-          </a:p>
-          <a:p>
-            <a:pPr marL="2160">
-              <a:lnSpc>
-                <a:spcPct val="90000"/>
-              </a:lnSpc>
-              <a:buClr>
-                <a:srgbClr val="808080"/>
-              </a:buClr>
-            </a:pPr>
-            <a:r>
-              <a:rPr lang="pt-BR" sz="2000" spc="-1" dirty="0" err="1">
-                <a:solidFill>
-                  <a:srgbClr val="000000"/>
-                </a:solidFill>
-                <a:uFill>
-                  <a:solidFill>
-                    <a:srgbClr val="FFFFFF"/>
-                  </a:solidFill>
-                </a:uFill>
-                <a:latin typeface="Arial"/>
-              </a:rPr>
-              <a:t>git</a:t>
-            </a:r>
-            <a:r>
-              <a:rPr lang="pt-BR" sz="2000" spc="-1" dirty="0">
-                <a:solidFill>
-                  <a:srgbClr val="000000"/>
-                </a:solidFill>
-                <a:uFill>
-                  <a:solidFill>
-                    <a:srgbClr val="FFFFFF"/>
-                  </a:solidFill>
-                </a:uFill>
-                <a:latin typeface="Arial"/>
-              </a:rPr>
-              <a:t> merge &lt;</a:t>
-            </a:r>
-            <a:r>
-              <a:rPr lang="pt-BR" sz="2000" spc="-1" dirty="0" err="1">
-                <a:solidFill>
-                  <a:srgbClr val="000000"/>
-                </a:solidFill>
-                <a:uFill>
-                  <a:solidFill>
-                    <a:srgbClr val="FFFFFF"/>
-                  </a:solidFill>
-                </a:uFill>
-                <a:latin typeface="Arial"/>
-              </a:rPr>
-              <a:t>branch</a:t>
-            </a:r>
-            <a:r>
-              <a:rPr lang="pt-BR" sz="2000" spc="-1" dirty="0">
-                <a:solidFill>
-                  <a:srgbClr val="000000"/>
-                </a:solidFill>
-                <a:uFill>
-                  <a:solidFill>
-                    <a:srgbClr val="FFFFFF"/>
-                  </a:solidFill>
-                </a:uFill>
-                <a:latin typeface="Arial"/>
-              </a:rPr>
-              <a:t>&gt; </a:t>
-            </a:r>
-            <a:r>
-              <a:rPr lang="pt-BR" sz="2000" spc="-1" dirty="0" smtClean="0">
-                <a:solidFill>
-                  <a:srgbClr val="000000"/>
-                </a:solidFill>
-                <a:uFill>
-                  <a:solidFill>
-                    <a:srgbClr val="FFFFFF"/>
-                  </a:solidFill>
-                </a:uFill>
-                <a:latin typeface="Arial"/>
-              </a:rPr>
-              <a:t>-</a:t>
-            </a:r>
-            <a:r>
-              <a:rPr lang="pt-BR" sz="2000" spc="-1" dirty="0" err="1" smtClean="0">
-                <a:solidFill>
-                  <a:srgbClr val="000000"/>
-                </a:solidFill>
-                <a:uFill>
-                  <a:solidFill>
-                    <a:srgbClr val="FFFFFF"/>
-                  </a:solidFill>
-                </a:uFill>
-                <a:latin typeface="Arial"/>
-              </a:rPr>
-              <a:t>Xours</a:t>
-            </a:r>
-            <a:endParaRPr lang="pt-BR" sz="2000" spc="-1" dirty="0">
-              <a:solidFill>
-                <a:srgbClr val="000000"/>
-              </a:solidFill>
-              <a:uFill>
-                <a:solidFill>
-                  <a:srgbClr val="FFFFFF"/>
-                </a:solidFill>
-              </a:uFill>
-              <a:latin typeface="Arial"/>
-            </a:endParaRPr>
-          </a:p>
-          <a:p>
-            <a:pPr marL="2160">
-              <a:lnSpc>
-                <a:spcPct val="90000"/>
-              </a:lnSpc>
-              <a:buClr>
-                <a:srgbClr val="808080"/>
-              </a:buClr>
-            </a:pPr>
-            <a:endParaRPr lang="pt-BR" sz="2000" b="0" strike="noStrike" spc="-1" dirty="0" smtClean="0">
-              <a:solidFill>
-                <a:srgbClr val="000000"/>
-              </a:solidFill>
-              <a:uFill>
-                <a:solidFill>
-                  <a:srgbClr val="FFFFFF"/>
-                </a:solidFill>
-              </a:uFill>
-              <a:latin typeface="Arial"/>
-            </a:endParaRPr>
-          </a:p>
-          <a:p>
-            <a:pPr marL="2160">
-              <a:lnSpc>
-                <a:spcPct val="90000"/>
-              </a:lnSpc>
-              <a:buClr>
-                <a:srgbClr val="808080"/>
-              </a:buClr>
-            </a:pPr>
-            <a:r>
-              <a:rPr lang="pt-BR" sz="2000" spc="-1" dirty="0" err="1">
-                <a:solidFill>
-                  <a:srgbClr val="000000"/>
-                </a:solidFill>
-                <a:uFill>
-                  <a:solidFill>
-                    <a:srgbClr val="FFFFFF"/>
-                  </a:solidFill>
-                </a:uFill>
-                <a:latin typeface="Arial"/>
-              </a:rPr>
-              <a:t>git</a:t>
-            </a:r>
-            <a:r>
-              <a:rPr lang="pt-BR" sz="2000" spc="-1" dirty="0">
-                <a:solidFill>
-                  <a:srgbClr val="000000"/>
-                </a:solidFill>
-                <a:uFill>
-                  <a:solidFill>
-                    <a:srgbClr val="FFFFFF"/>
-                  </a:solidFill>
-                </a:uFill>
-                <a:latin typeface="Arial"/>
-              </a:rPr>
-              <a:t> merge &lt;</a:t>
-            </a:r>
-            <a:r>
-              <a:rPr lang="pt-BR" sz="2000" spc="-1" dirty="0" err="1">
-                <a:solidFill>
-                  <a:srgbClr val="000000"/>
-                </a:solidFill>
-                <a:uFill>
-                  <a:solidFill>
-                    <a:srgbClr val="FFFFFF"/>
-                  </a:solidFill>
-                </a:uFill>
-                <a:latin typeface="Arial"/>
-              </a:rPr>
-              <a:t>branch</a:t>
-            </a:r>
-            <a:r>
-              <a:rPr lang="pt-BR" sz="2000" spc="-1" dirty="0">
-                <a:solidFill>
-                  <a:srgbClr val="000000"/>
-                </a:solidFill>
-                <a:uFill>
-                  <a:solidFill>
-                    <a:srgbClr val="FFFFFF"/>
-                  </a:solidFill>
-                </a:uFill>
-                <a:latin typeface="Arial"/>
-              </a:rPr>
-              <a:t>&gt; </a:t>
-            </a:r>
-            <a:r>
-              <a:rPr lang="pt-BR" sz="2000" spc="-1" dirty="0" smtClean="0">
-                <a:solidFill>
-                  <a:srgbClr val="000000"/>
-                </a:solidFill>
-                <a:uFill>
-                  <a:solidFill>
-                    <a:srgbClr val="FFFFFF"/>
-                  </a:solidFill>
-                </a:uFill>
-                <a:latin typeface="Arial"/>
-              </a:rPr>
-              <a:t>-</a:t>
-            </a:r>
-            <a:r>
-              <a:rPr lang="pt-BR" sz="2000" spc="-1" dirty="0" err="1" smtClean="0">
-                <a:solidFill>
-                  <a:srgbClr val="000000"/>
-                </a:solidFill>
-                <a:uFill>
-                  <a:solidFill>
-                    <a:srgbClr val="FFFFFF"/>
-                  </a:solidFill>
-                </a:uFill>
-                <a:latin typeface="Arial"/>
-              </a:rPr>
-              <a:t>Xtheirs</a:t>
-            </a:r>
-            <a:endParaRPr lang="pt-BR" sz="2000" spc="-1" dirty="0">
-              <a:solidFill>
-                <a:srgbClr val="000000"/>
-              </a:solidFill>
-              <a:uFill>
-                <a:solidFill>
-                  <a:srgbClr val="FFFFFF"/>
-                </a:solidFill>
-              </a:uFill>
-              <a:latin typeface="Arial"/>
-            </a:endParaRPr>
-          </a:p>
-          <a:p>
-            <a:pPr marL="2160">
-              <a:lnSpc>
-                <a:spcPct val="90000"/>
-              </a:lnSpc>
-              <a:buClr>
-                <a:srgbClr val="808080"/>
-              </a:buClr>
-            </a:pPr>
-            <a:endParaRPr lang="pt-BR" sz="2000" b="0" strike="noStrike" spc="-1" dirty="0">
-              <a:solidFill>
-                <a:srgbClr val="000000"/>
-              </a:solidFill>
-              <a:uFill>
-                <a:solidFill>
-                  <a:srgbClr val="FFFFFF"/>
-                </a:solidFill>
-              </a:uFill>
-              <a:latin typeface="Arial"/>
-            </a:endParaRPr>
-          </a:p>
-          <a:p>
-            <a:pPr marL="2160">
-              <a:lnSpc>
-                <a:spcPct val="90000"/>
-              </a:lnSpc>
-              <a:buClr>
-                <a:srgbClr val="808080"/>
-              </a:buClr>
-            </a:pPr>
-            <a:r>
-              <a:rPr lang="pt-BR" sz="2000" spc="-1" dirty="0" err="1">
-                <a:solidFill>
-                  <a:srgbClr val="000000"/>
-                </a:solidFill>
-                <a:uFill>
-                  <a:solidFill>
-                    <a:srgbClr val="FFFFFF"/>
-                  </a:solidFill>
-                </a:uFill>
-                <a:latin typeface="Arial"/>
-              </a:rPr>
-              <a:t>git</a:t>
-            </a:r>
-            <a:r>
-              <a:rPr lang="pt-BR" sz="2000" spc="-1" dirty="0">
-                <a:solidFill>
-                  <a:srgbClr val="000000"/>
-                </a:solidFill>
-                <a:uFill>
-                  <a:solidFill>
-                    <a:srgbClr val="FFFFFF"/>
-                  </a:solidFill>
-                </a:uFill>
-                <a:latin typeface="Arial"/>
-              </a:rPr>
-              <a:t> </a:t>
-            </a:r>
-            <a:r>
-              <a:rPr lang="pt-BR" sz="2000" spc="-1" dirty="0" smtClean="0">
-                <a:solidFill>
-                  <a:srgbClr val="000000"/>
-                </a:solidFill>
-                <a:uFill>
-                  <a:solidFill>
-                    <a:srgbClr val="FFFFFF"/>
-                  </a:solidFill>
-                </a:uFill>
-                <a:latin typeface="Arial"/>
-              </a:rPr>
-              <a:t>merge --</a:t>
-            </a:r>
-            <a:r>
-              <a:rPr lang="pt-BR" sz="2000" spc="-1" dirty="0" err="1" smtClean="0">
-                <a:solidFill>
-                  <a:srgbClr val="000000"/>
-                </a:solidFill>
-                <a:uFill>
-                  <a:solidFill>
-                    <a:srgbClr val="FFFFFF"/>
-                  </a:solidFill>
-                </a:uFill>
-                <a:latin typeface="Arial"/>
-              </a:rPr>
-              <a:t>abort</a:t>
-            </a:r>
-            <a:endParaRPr lang="pt-BR" sz="2000" spc="-1" dirty="0" smtClean="0">
-              <a:solidFill>
-                <a:srgbClr val="000000"/>
-              </a:solidFill>
-              <a:uFill>
-                <a:solidFill>
-                  <a:srgbClr val="FFFFFF"/>
-                </a:solidFill>
-              </a:uFill>
-              <a:latin typeface="Arial"/>
-            </a:endParaRPr>
-          </a:p>
-          <a:p>
-            <a:pPr marL="2160">
-              <a:lnSpc>
-                <a:spcPct val="90000"/>
-              </a:lnSpc>
-              <a:buClr>
-                <a:srgbClr val="808080"/>
-              </a:buClr>
-            </a:pPr>
-            <a:endParaRPr lang="pt-BR" sz="2000" spc="-1" dirty="0">
-              <a:solidFill>
-                <a:srgbClr val="000000"/>
-              </a:solidFill>
-              <a:uFill>
-                <a:solidFill>
-                  <a:srgbClr val="FFFFFF"/>
-                </a:solidFill>
-              </a:uFill>
-              <a:latin typeface="Arial"/>
-            </a:endParaRPr>
-          </a:p>
-          <a:p>
-            <a:pPr marL="2160">
-              <a:lnSpc>
-                <a:spcPct val="90000"/>
-              </a:lnSpc>
-              <a:buClr>
-                <a:srgbClr val="808080"/>
-              </a:buClr>
-            </a:pPr>
-            <a:r>
-              <a:rPr lang="pt-BR" sz="2000" spc="-1" dirty="0" err="1" smtClean="0">
-                <a:solidFill>
-                  <a:srgbClr val="000000"/>
-                </a:solidFill>
-                <a:uFill>
-                  <a:solidFill>
-                    <a:srgbClr val="FFFFFF"/>
-                  </a:solidFill>
-                </a:uFill>
-                <a:latin typeface="Arial"/>
-              </a:rPr>
-              <a:t>git</a:t>
-            </a:r>
-            <a:r>
-              <a:rPr lang="pt-BR" sz="2000" spc="-1" dirty="0" smtClean="0">
-                <a:solidFill>
-                  <a:srgbClr val="000000"/>
-                </a:solidFill>
-                <a:uFill>
-                  <a:solidFill>
-                    <a:srgbClr val="FFFFFF"/>
-                  </a:solidFill>
-                </a:uFill>
-                <a:latin typeface="Arial"/>
-              </a:rPr>
-              <a:t> </a:t>
-            </a:r>
-            <a:r>
-              <a:rPr lang="pt-BR" sz="2000" spc="-1" dirty="0" err="1" smtClean="0">
-                <a:solidFill>
-                  <a:srgbClr val="000000"/>
-                </a:solidFill>
-                <a:uFill>
-                  <a:solidFill>
-                    <a:srgbClr val="FFFFFF"/>
-                  </a:solidFill>
-                </a:uFill>
-                <a:latin typeface="Arial"/>
-              </a:rPr>
-              <a:t>diff</a:t>
-            </a:r>
-            <a:r>
-              <a:rPr lang="pt-BR" sz="2000" spc="-1" dirty="0" smtClean="0">
-                <a:solidFill>
-                  <a:srgbClr val="000000"/>
-                </a:solidFill>
-                <a:uFill>
-                  <a:solidFill>
-                    <a:srgbClr val="FFFFFF"/>
-                  </a:solidFill>
-                </a:uFill>
-                <a:latin typeface="Arial"/>
-              </a:rPr>
-              <a:t> --</a:t>
-            </a:r>
-            <a:r>
-              <a:rPr lang="pt-BR" sz="2000" spc="-1" dirty="0" err="1" smtClean="0">
-                <a:solidFill>
-                  <a:srgbClr val="000000"/>
-                </a:solidFill>
-                <a:uFill>
-                  <a:solidFill>
-                    <a:srgbClr val="FFFFFF"/>
-                  </a:solidFill>
-                </a:uFill>
-                <a:latin typeface="Arial"/>
-              </a:rPr>
-              <a:t>ours|theirs|base</a:t>
-            </a:r>
-            <a:r>
-              <a:rPr lang="pt-BR" sz="2000" spc="-1" dirty="0" smtClean="0">
-                <a:solidFill>
-                  <a:srgbClr val="000000"/>
-                </a:solidFill>
-                <a:uFill>
-                  <a:solidFill>
-                    <a:srgbClr val="FFFFFF"/>
-                  </a:solidFill>
-                </a:uFill>
-                <a:latin typeface="Arial"/>
-              </a:rPr>
-              <a:t> </a:t>
-            </a:r>
-          </a:p>
-          <a:p>
-            <a:pPr marL="2160">
-              <a:lnSpc>
-                <a:spcPct val="90000"/>
-              </a:lnSpc>
-              <a:buClr>
-                <a:srgbClr val="808080"/>
-              </a:buClr>
-            </a:pPr>
-            <a:endParaRPr lang="pt-BR" sz="2000" b="0" strike="noStrike" spc="-1" dirty="0">
-              <a:solidFill>
-                <a:srgbClr val="000000"/>
-              </a:solidFill>
-              <a:uFill>
-                <a:solidFill>
-                  <a:srgbClr val="FFFFFF"/>
-                </a:solidFill>
-              </a:uFill>
-              <a:latin typeface="Arial"/>
-            </a:endParaRPr>
-          </a:p>
-          <a:p>
-            <a:pPr marL="2160">
-              <a:lnSpc>
-                <a:spcPct val="90000"/>
-              </a:lnSpc>
-              <a:buClr>
-                <a:srgbClr val="808080"/>
-              </a:buClr>
-            </a:pPr>
-            <a:endParaRPr lang="pt-BR" sz="2000" b="0" strike="noStrike" spc="-1" dirty="0" smtClean="0">
-              <a:solidFill>
-                <a:srgbClr val="000000"/>
-              </a:solidFill>
-              <a:uFill>
-                <a:solidFill>
-                  <a:srgbClr val="FFFFFF"/>
-                </a:solidFill>
-              </a:uFill>
-              <a:latin typeface="Arial"/>
-            </a:endParaRPr>
-          </a:p>
         </p:txBody>
       </p:sp>
     </p:spTree>
     <p:extLst>
       <p:ext uri="{BB962C8B-B14F-4D97-AF65-F5344CB8AC3E}">
-        <p14:creationId xmlns:p14="http://schemas.microsoft.com/office/powerpoint/2010/main" val="2250881235"/>
+        <p14:creationId xmlns:p14="http://schemas.microsoft.com/office/powerpoint/2010/main" val="525582242"/>
       </p:ext>
     </p:extLst>
   </p:cSld>
